--- a/Lessions/Bai-08-Light-Sensor/Bai-08-Light-Sensor.pptx
+++ b/Lessions/Bai-08-Light-Sensor/Bai-08-Light-Sensor.pptx
@@ -5,7 +5,7 @@
     <p:sldMasterId id="2147483660" r:id="rId1"/>
   </p:sldMasterIdLst>
   <p:notesMasterIdLst>
-    <p:notesMasterId r:id="rId13"/>
+    <p:notesMasterId r:id="rId11"/>
   </p:notesMasterIdLst>
   <p:sldIdLst>
     <p:sldId id="256" r:id="rId2"/>
@@ -14,11 +14,9 @@
     <p:sldId id="271" r:id="rId5"/>
     <p:sldId id="277" r:id="rId6"/>
     <p:sldId id="278" r:id="rId7"/>
-    <p:sldId id="266" r:id="rId8"/>
-    <p:sldId id="268" r:id="rId9"/>
-    <p:sldId id="275" r:id="rId10"/>
-    <p:sldId id="279" r:id="rId11"/>
-    <p:sldId id="280" r:id="rId12"/>
+    <p:sldId id="275" r:id="rId8"/>
+    <p:sldId id="279" r:id="rId9"/>
+    <p:sldId id="280" r:id="rId10"/>
   </p:sldIdLst>
   <p:sldSz cx="9144000" cy="6858000" type="screen4x3"/>
   <p:notesSz cx="6858000" cy="9144000"/>
@@ -207,7 +205,7 @@
           <a:p>
             <a:fld id="{E1BDF935-9821-4834-9D99-7DEFA719F44D}" type="datetimeFigureOut">
               <a:rPr lang="en-US" smtClean="0"/>
-              <a:t>5/8/2023</a:t>
+              <a:t>6/13/2024</a:t>
             </a:fld>
             <a:endParaRPr lang="en-US"/>
           </a:p>
@@ -2516,16 +2514,7 @@
                 </a:solidFill>
                 <a:latin typeface="GT Walsheim Bold" panose="00000800000000000000" pitchFamily="2" charset="0"/>
               </a:rPr>
-              <a:t>BÀI </a:t>
-            </a:r>
-            <a:r>
-              <a:rPr lang="en-US" sz="3600" b="1" dirty="0" smtClean="0">
-                <a:solidFill>
-                  <a:schemeClr val="bg1"/>
-                </a:solidFill>
-                <a:latin typeface="GT Walsheim Bold" panose="00000800000000000000" pitchFamily="2" charset="0"/>
-              </a:rPr>
-              <a:t>8</a:t>
+              <a:t>BÀI 8</a:t>
             </a:r>
             <a:endParaRPr lang="en-US" sz="3600" b="1" dirty="0">
               <a:solidFill>
@@ -2589,1384 +2578,13 @@
   <p:clrMapOvr>
     <a:masterClrMapping/>
   </p:clrMapOvr>
-</p:sld>
-</file>
-
-<file path=ppt/slides/slide10.xml><?xml version="1.0" encoding="utf-8"?>
-<p:sld xmlns:a="http://schemas.openxmlformats.org/drawingml/2006/main" xmlns:r="http://schemas.openxmlformats.org/officeDocument/2006/relationships" xmlns:p="http://schemas.openxmlformats.org/presentationml/2006/main">
-  <p:cSld>
-    <p:spTree>
-      <p:nvGrpSpPr>
-        <p:cNvPr id="1" name=""/>
-        <p:cNvGrpSpPr/>
-        <p:nvPr/>
-      </p:nvGrpSpPr>
-      <p:grpSpPr>
-        <a:xfrm>
-          <a:off x="0" y="0"/>
-          <a:ext cx="0" cy="0"/>
-          <a:chOff x="0" y="0"/>
-          <a:chExt cx="0" cy="0"/>
-        </a:xfrm>
-      </p:grpSpPr>
-      <p:sp>
-        <p:nvSpPr>
-          <p:cNvPr id="2" name="Slide Number Placeholder 1"/>
-          <p:cNvSpPr>
-            <a:spLocks noGrp="1"/>
-          </p:cNvSpPr>
-          <p:nvPr>
-            <p:ph type="sldNum" sz="quarter" idx="12"/>
-          </p:nvPr>
-        </p:nvSpPr>
-        <p:spPr/>
-        <p:txBody>
-          <a:bodyPr/>
-          <a:lstStyle/>
-          <a:p>
-            <a:fld id="{7D9EC917-02A2-4152-9EE3-DFE2775A77C7}" type="slidenum">
-              <a:rPr lang="en-US" smtClean="0"/>
-              <a:pPr/>
-              <a:t>10</a:t>
-            </a:fld>
-            <a:endParaRPr lang="en-US"/>
-          </a:p>
-        </p:txBody>
-      </p:sp>
-      <p:sp>
-        <p:nvSpPr>
-          <p:cNvPr id="3" name="Rectangle 2"/>
-          <p:cNvSpPr/>
-          <p:nvPr/>
-        </p:nvSpPr>
-        <p:spPr>
-          <a:xfrm>
-            <a:off x="301925" y="1051379"/>
-            <a:ext cx="8454964" cy="27432"/>
-          </a:xfrm>
-          <a:prstGeom prst="rect">
-            <a:avLst/>
-          </a:prstGeom>
-          <a:gradFill flip="none" rotWithShape="1">
-            <a:gsLst>
-              <a:gs pos="15000">
-                <a:srgbClr val="EC5F77"/>
-              </a:gs>
-              <a:gs pos="100000">
-                <a:srgbClr val="FECC36"/>
-              </a:gs>
-            </a:gsLst>
-            <a:lin ang="0" scaled="1"/>
-            <a:tileRect/>
-          </a:gradFill>
-          <a:ln>
-            <a:noFill/>
-          </a:ln>
-        </p:spPr>
-        <p:style>
-          <a:lnRef idx="2">
-            <a:schemeClr val="accent1">
-              <a:shade val="50000"/>
-            </a:schemeClr>
-          </a:lnRef>
-          <a:fillRef idx="1">
-            <a:schemeClr val="accent1"/>
-          </a:fillRef>
-          <a:effectRef idx="0">
-            <a:schemeClr val="accent1"/>
-          </a:effectRef>
-          <a:fontRef idx="minor">
-            <a:schemeClr val="lt1"/>
-          </a:fontRef>
-        </p:style>
-        <p:txBody>
-          <a:bodyPr rtlCol="0" anchor="ctr"/>
-          <a:lstStyle/>
-          <a:p>
-            <a:pPr algn="ctr"/>
-            <a:endParaRPr lang="en-US"/>
-          </a:p>
-        </p:txBody>
-      </p:sp>
-      <p:sp>
-        <p:nvSpPr>
-          <p:cNvPr id="4" name="TextBox 3"/>
-          <p:cNvSpPr txBox="1"/>
-          <p:nvPr/>
-        </p:nvSpPr>
-        <p:spPr>
-          <a:xfrm>
-            <a:off x="248815" y="546584"/>
-            <a:ext cx="7374995" cy="461665"/>
-          </a:xfrm>
-          <a:prstGeom prst="rect">
-            <a:avLst/>
-          </a:prstGeom>
-          <a:noFill/>
-        </p:spPr>
-        <p:txBody>
-          <a:bodyPr wrap="square" rtlCol="0">
-            <a:spAutoFit/>
-          </a:bodyPr>
-          <a:lstStyle/>
-          <a:p>
-            <a:r>
-              <a:rPr lang="en-US" sz="2400" b="1" dirty="0">
-                <a:solidFill>
-                  <a:srgbClr val="EC5F77"/>
-                </a:solidFill>
-                <a:latin typeface="UTM Helve" panose="02040603050506020204" pitchFamily="18" charset="0"/>
-                <a:ea typeface="Roboto" pitchFamily="2" charset="0"/>
-              </a:rPr>
-              <a:t>8</a:t>
-            </a:r>
-            <a:r>
-              <a:rPr lang="en-US" sz="2400" b="1" dirty="0" smtClean="0">
-                <a:solidFill>
-                  <a:srgbClr val="EC5F77"/>
-                </a:solidFill>
-                <a:latin typeface="UTM Helve" panose="02040603050506020204" pitchFamily="18" charset="0"/>
-                <a:ea typeface="Roboto" pitchFamily="2" charset="0"/>
-              </a:rPr>
-              <a:t>.3 </a:t>
-            </a:r>
-            <a:r>
-              <a:rPr lang="en-US" sz="2400" b="1" dirty="0" smtClean="0">
-                <a:solidFill>
-                  <a:srgbClr val="EC5F77"/>
-                </a:solidFill>
-                <a:latin typeface="UTM Helve" panose="02040603050506020204" pitchFamily="18" charset="0"/>
-                <a:ea typeface="Roboto" pitchFamily="2" charset="0"/>
-              </a:rPr>
-              <a:t>Hoạt động học viên</a:t>
-            </a:r>
-            <a:endParaRPr lang="en-US" sz="2400" b="1" dirty="0">
-              <a:solidFill>
-                <a:srgbClr val="EC5F77"/>
-              </a:solidFill>
-              <a:latin typeface="UTM Helve" panose="02040603050506020204" pitchFamily="18" charset="0"/>
-              <a:ea typeface="Roboto" pitchFamily="2" charset="0"/>
-            </a:endParaRPr>
-          </a:p>
-        </p:txBody>
-      </p:sp>
-      <p:sp>
-        <p:nvSpPr>
-          <p:cNvPr id="5" name="TextBox 4"/>
-          <p:cNvSpPr txBox="1"/>
-          <p:nvPr/>
-        </p:nvSpPr>
-        <p:spPr>
-          <a:xfrm>
-            <a:off x="1265305" y="1364739"/>
-            <a:ext cx="5649845" cy="461665"/>
-          </a:xfrm>
-          <a:prstGeom prst="rect">
-            <a:avLst/>
-          </a:prstGeom>
-          <a:noFill/>
-        </p:spPr>
-        <p:txBody>
-          <a:bodyPr wrap="square" rtlCol="0">
-            <a:spAutoFit/>
-          </a:bodyPr>
-          <a:lstStyle/>
-          <a:p>
-            <a:r>
-              <a:rPr lang="en-US" sz="2400" b="1" dirty="0">
-                <a:solidFill>
-                  <a:schemeClr val="tx1">
-                    <a:lumMod val="85000"/>
-                    <a:lumOff val="15000"/>
-                  </a:schemeClr>
-                </a:solidFill>
-                <a:latin typeface="UTM Helve" panose="02040603050506020204" pitchFamily="18" charset="0"/>
-                <a:ea typeface="Roboto" pitchFamily="2" charset="0"/>
-              </a:rPr>
-              <a:t>Đèn Cảnh Báo An Toàn</a:t>
-            </a:r>
-          </a:p>
-        </p:txBody>
-      </p:sp>
-      <p:pic>
-        <p:nvPicPr>
-          <p:cNvPr id="6" name="Picture 5"/>
-          <p:cNvPicPr>
-            <a:picLocks noChangeAspect="1"/>
-          </p:cNvPicPr>
-          <p:nvPr/>
-        </p:nvPicPr>
-        <p:blipFill>
-          <a:blip r:embed="rId2">
-            <a:extLst>
-              <a:ext uri="{28A0092B-C50C-407E-A947-70E740481C1C}">
-                <a14:useLocalDpi xmlns:a14="http://schemas.microsoft.com/office/drawing/2010/main" val="0"/>
-              </a:ext>
-            </a:extLst>
-          </a:blip>
-          <a:stretch>
-            <a:fillRect/>
-          </a:stretch>
-        </p:blipFill>
-        <p:spPr>
-          <a:xfrm>
-            <a:off x="709053" y="1437696"/>
-            <a:ext cx="466725" cy="409575"/>
-          </a:xfrm>
-          <a:prstGeom prst="rect">
-            <a:avLst/>
-          </a:prstGeom>
-        </p:spPr>
-      </p:pic>
-      <p:sp>
-        <p:nvSpPr>
-          <p:cNvPr id="7" name="Rounded Rectangle 6"/>
-          <p:cNvSpPr/>
-          <p:nvPr/>
-        </p:nvSpPr>
-        <p:spPr>
-          <a:xfrm>
-            <a:off x="4557643" y="2059629"/>
-            <a:ext cx="3909703" cy="4311873"/>
-          </a:xfrm>
-          <a:prstGeom prst="roundRect">
-            <a:avLst>
-              <a:gd name="adj" fmla="val 3719"/>
-            </a:avLst>
-          </a:prstGeom>
-          <a:noFill/>
-          <a:ln w="28575">
-            <a:solidFill>
-              <a:srgbClr val="EC5F77"/>
-            </a:solidFill>
-            <a:prstDash val="sysDash"/>
-          </a:ln>
-        </p:spPr>
-        <p:style>
-          <a:lnRef idx="2">
-            <a:schemeClr val="accent1">
-              <a:shade val="50000"/>
-            </a:schemeClr>
-          </a:lnRef>
-          <a:fillRef idx="1">
-            <a:schemeClr val="accent1"/>
-          </a:fillRef>
-          <a:effectRef idx="0">
-            <a:schemeClr val="accent1"/>
-          </a:effectRef>
-          <a:fontRef idx="minor">
-            <a:schemeClr val="lt1"/>
-          </a:fontRef>
-        </p:style>
-        <p:txBody>
-          <a:bodyPr rtlCol="0" anchor="ctr"/>
-          <a:lstStyle/>
-          <a:p>
-            <a:pPr algn="ctr"/>
-            <a:endParaRPr lang="en-US"/>
-          </a:p>
-        </p:txBody>
-      </p:sp>
-      <p:sp>
-        <p:nvSpPr>
-          <p:cNvPr id="10" name="Rectangle 9"/>
-          <p:cNvSpPr/>
-          <p:nvPr/>
-        </p:nvSpPr>
-        <p:spPr>
-          <a:xfrm>
-            <a:off x="4664108" y="2211699"/>
-            <a:ext cx="3677417" cy="2862322"/>
-          </a:xfrm>
-          <a:prstGeom prst="rect">
-            <a:avLst/>
-          </a:prstGeom>
-        </p:spPr>
-        <p:txBody>
-          <a:bodyPr wrap="square">
-            <a:spAutoFit/>
-          </a:bodyPr>
-          <a:lstStyle/>
-          <a:p>
-            <a:r>
-              <a:rPr lang="vi-VN" sz="2000" dirty="0"/>
-              <a:t>Lucy có một người bạn tên là Jack không may bị tai nạn giao thông và bị thương đôi chân không đi lại được. Bạn ấy phải di chuyển bằng xe lăn. Jack rất thích đi dạo công viên mỗi buổi tối, công viên thì đông người qua lại, có cả những người đi xe đạp</a:t>
-            </a:r>
-            <a:endParaRPr lang="en-US" sz="2000" dirty="0"/>
-          </a:p>
-        </p:txBody>
-      </p:sp>
-      <p:sp>
-        <p:nvSpPr>
-          <p:cNvPr id="14" name="Rectangle 13"/>
-          <p:cNvSpPr/>
-          <p:nvPr/>
-        </p:nvSpPr>
-        <p:spPr>
-          <a:xfrm>
-            <a:off x="4706741" y="5214930"/>
-            <a:ext cx="3677417" cy="1015663"/>
-          </a:xfrm>
-          <a:prstGeom prst="rect">
-            <a:avLst/>
-          </a:prstGeom>
-        </p:spPr>
-        <p:txBody>
-          <a:bodyPr wrap="square">
-            <a:spAutoFit/>
-          </a:bodyPr>
-          <a:lstStyle/>
-          <a:p>
-            <a:r>
-              <a:rPr lang="vi-VN" sz="2000" dirty="0"/>
-              <a:t>Bạn có thể giúp Jack tạo một đèn cánh báo vào ban đêm để bạn ấy </a:t>
-            </a:r>
-            <a:r>
-              <a:rPr lang="vi-VN" sz="2000" dirty="0" smtClean="0"/>
-              <a:t>g</a:t>
-            </a:r>
-            <a:r>
-              <a:rPr lang="en-US" sz="2000" dirty="0" smtClean="0"/>
-              <a:t>ắ</a:t>
-            </a:r>
-            <a:r>
-              <a:rPr lang="vi-VN" sz="2000" dirty="0" smtClean="0"/>
-              <a:t>n </a:t>
-            </a:r>
-            <a:r>
-              <a:rPr lang="vi-VN" sz="2000" dirty="0"/>
-              <a:t>lên xe lăn không ?</a:t>
-            </a:r>
-            <a:endParaRPr lang="en-US" sz="2000" dirty="0"/>
-          </a:p>
-        </p:txBody>
-      </p:sp>
-      <p:pic>
-        <p:nvPicPr>
-          <p:cNvPr id="12" name="Picture 11"/>
-          <p:cNvPicPr>
-            <a:picLocks noChangeAspect="1"/>
-          </p:cNvPicPr>
-          <p:nvPr/>
-        </p:nvPicPr>
-        <p:blipFill>
-          <a:blip r:embed="rId3">
-            <a:extLst>
-              <a:ext uri="{28A0092B-C50C-407E-A947-70E740481C1C}">
-                <a14:useLocalDpi xmlns:a14="http://schemas.microsoft.com/office/drawing/2010/main" val="0"/>
-              </a:ext>
-            </a:extLst>
-          </a:blip>
-          <a:stretch>
-            <a:fillRect/>
-          </a:stretch>
-        </p:blipFill>
-        <p:spPr>
-          <a:xfrm rot="19465917">
-            <a:off x="3665064" y="5066029"/>
-            <a:ext cx="873627" cy="1004671"/>
-          </a:xfrm>
-          <a:prstGeom prst="rect">
-            <a:avLst/>
-          </a:prstGeom>
-        </p:spPr>
-      </p:pic>
-      <p:pic>
-        <p:nvPicPr>
-          <p:cNvPr id="13" name="Picture 12"/>
-          <p:cNvPicPr>
-            <a:picLocks noChangeAspect="1"/>
-          </p:cNvPicPr>
-          <p:nvPr/>
-        </p:nvPicPr>
-        <p:blipFill>
-          <a:blip r:embed="rId4"/>
-          <a:stretch>
-            <a:fillRect/>
-          </a:stretch>
-        </p:blipFill>
-        <p:spPr>
-          <a:xfrm>
-            <a:off x="615461" y="3874143"/>
-            <a:ext cx="2406035" cy="2774306"/>
-          </a:xfrm>
-          <a:prstGeom prst="rect">
-            <a:avLst/>
-          </a:prstGeom>
-        </p:spPr>
-      </p:pic>
-      <p:pic>
-        <p:nvPicPr>
-          <p:cNvPr id="16" name="Picture 15"/>
-          <p:cNvPicPr>
-            <a:picLocks noChangeAspect="1"/>
-          </p:cNvPicPr>
-          <p:nvPr/>
-        </p:nvPicPr>
-        <p:blipFill>
-          <a:blip r:embed="rId5"/>
-          <a:stretch>
-            <a:fillRect/>
-          </a:stretch>
-        </p:blipFill>
-        <p:spPr>
-          <a:xfrm>
-            <a:off x="1007800" y="2112332"/>
-            <a:ext cx="2013696" cy="1668885"/>
-          </a:xfrm>
-          <a:prstGeom prst="rect">
-            <a:avLst/>
-          </a:prstGeom>
-        </p:spPr>
-      </p:pic>
-      <p:pic>
-        <p:nvPicPr>
-          <p:cNvPr id="17" name="Picture 16"/>
-          <p:cNvPicPr>
-            <a:picLocks noChangeAspect="1"/>
-          </p:cNvPicPr>
-          <p:nvPr/>
-        </p:nvPicPr>
-        <p:blipFill>
-          <a:blip r:embed="rId6" cstate="print">
-            <a:extLst>
-              <a:ext uri="{28A0092B-C50C-407E-A947-70E740481C1C}">
-                <a14:useLocalDpi xmlns:a14="http://schemas.microsoft.com/office/drawing/2010/main" val="0"/>
-              </a:ext>
-            </a:extLst>
-          </a:blip>
-          <a:stretch>
-            <a:fillRect/>
-          </a:stretch>
-        </p:blipFill>
-        <p:spPr>
-          <a:xfrm>
-            <a:off x="3077356" y="1915492"/>
-            <a:ext cx="1047414" cy="1251717"/>
-          </a:xfrm>
-          <a:prstGeom prst="rect">
-            <a:avLst/>
-          </a:prstGeom>
-        </p:spPr>
-      </p:pic>
-    </p:spTree>
-    <p:extLst>
-      <p:ext uri="{BB962C8B-B14F-4D97-AF65-F5344CB8AC3E}">
-        <p14:creationId xmlns:p14="http://schemas.microsoft.com/office/powerpoint/2010/main" val="2782989310"/>
-      </p:ext>
-    </p:extLst>
-  </p:cSld>
-  <p:clrMapOvr>
-    <a:masterClrMapping/>
-  </p:clrMapOvr>
-</p:sld>
-</file>
-
-<file path=ppt/slides/slide11.xml><?xml version="1.0" encoding="utf-8"?>
-<p:sld xmlns:a="http://schemas.openxmlformats.org/drawingml/2006/main" xmlns:r="http://schemas.openxmlformats.org/officeDocument/2006/relationships" xmlns:p="http://schemas.openxmlformats.org/presentationml/2006/main">
-  <p:cSld>
-    <p:spTree>
-      <p:nvGrpSpPr>
-        <p:cNvPr id="1" name=""/>
-        <p:cNvGrpSpPr/>
-        <p:nvPr/>
-      </p:nvGrpSpPr>
-      <p:grpSpPr>
-        <a:xfrm>
-          <a:off x="0" y="0"/>
-          <a:ext cx="0" cy="0"/>
-          <a:chOff x="0" y="0"/>
-          <a:chExt cx="0" cy="0"/>
-        </a:xfrm>
-      </p:grpSpPr>
-      <p:sp>
-        <p:nvSpPr>
-          <p:cNvPr id="2" name="Slide Number Placeholder 1"/>
-          <p:cNvSpPr>
-            <a:spLocks noGrp="1"/>
-          </p:cNvSpPr>
-          <p:nvPr>
-            <p:ph type="sldNum" sz="quarter" idx="12"/>
-          </p:nvPr>
-        </p:nvSpPr>
-        <p:spPr/>
-        <p:txBody>
-          <a:bodyPr/>
-          <a:lstStyle/>
-          <a:p>
-            <a:fld id="{7D9EC917-02A2-4152-9EE3-DFE2775A77C7}" type="slidenum">
-              <a:rPr lang="en-US" smtClean="0"/>
-              <a:pPr/>
-              <a:t>11</a:t>
-            </a:fld>
-            <a:endParaRPr lang="en-US"/>
-          </a:p>
-        </p:txBody>
-      </p:sp>
-      <p:sp>
-        <p:nvSpPr>
-          <p:cNvPr id="3" name="Rectangle 2"/>
-          <p:cNvSpPr/>
-          <p:nvPr/>
-        </p:nvSpPr>
-        <p:spPr>
-          <a:xfrm>
-            <a:off x="301925" y="1051379"/>
-            <a:ext cx="8454964" cy="27432"/>
-          </a:xfrm>
-          <a:prstGeom prst="rect">
-            <a:avLst/>
-          </a:prstGeom>
-          <a:gradFill flip="none" rotWithShape="1">
-            <a:gsLst>
-              <a:gs pos="15000">
-                <a:srgbClr val="EC5F77"/>
-              </a:gs>
-              <a:gs pos="100000">
-                <a:srgbClr val="FECC36"/>
-              </a:gs>
-            </a:gsLst>
-            <a:lin ang="0" scaled="1"/>
-            <a:tileRect/>
-          </a:gradFill>
-          <a:ln>
-            <a:noFill/>
-          </a:ln>
-        </p:spPr>
-        <p:style>
-          <a:lnRef idx="2">
-            <a:schemeClr val="accent1">
-              <a:shade val="50000"/>
-            </a:schemeClr>
-          </a:lnRef>
-          <a:fillRef idx="1">
-            <a:schemeClr val="accent1"/>
-          </a:fillRef>
-          <a:effectRef idx="0">
-            <a:schemeClr val="accent1"/>
-          </a:effectRef>
-          <a:fontRef idx="minor">
-            <a:schemeClr val="lt1"/>
-          </a:fontRef>
-        </p:style>
-        <p:txBody>
-          <a:bodyPr rtlCol="0" anchor="ctr"/>
-          <a:lstStyle/>
-          <a:p>
-            <a:pPr algn="ctr"/>
-            <a:endParaRPr lang="en-US"/>
-          </a:p>
-        </p:txBody>
-      </p:sp>
-      <p:sp>
-        <p:nvSpPr>
-          <p:cNvPr id="4" name="TextBox 3"/>
-          <p:cNvSpPr txBox="1"/>
-          <p:nvPr/>
-        </p:nvSpPr>
-        <p:spPr>
-          <a:xfrm>
-            <a:off x="248815" y="546584"/>
-            <a:ext cx="7374995" cy="461665"/>
-          </a:xfrm>
-          <a:prstGeom prst="rect">
-            <a:avLst/>
-          </a:prstGeom>
-          <a:noFill/>
-        </p:spPr>
-        <p:txBody>
-          <a:bodyPr wrap="square" rtlCol="0">
-            <a:spAutoFit/>
-          </a:bodyPr>
-          <a:lstStyle/>
-          <a:p>
-            <a:r>
-              <a:rPr lang="en-US" sz="2400" b="1" dirty="0">
-                <a:solidFill>
-                  <a:srgbClr val="EC5F77"/>
-                </a:solidFill>
-                <a:latin typeface="UTM Helve" panose="02040603050506020204" pitchFamily="18" charset="0"/>
-                <a:ea typeface="Roboto" pitchFamily="2" charset="0"/>
-              </a:rPr>
-              <a:t>8</a:t>
-            </a:r>
-            <a:r>
-              <a:rPr lang="en-US" sz="2400" b="1" dirty="0" smtClean="0">
-                <a:solidFill>
-                  <a:srgbClr val="EC5F77"/>
-                </a:solidFill>
-                <a:latin typeface="UTM Helve" panose="02040603050506020204" pitchFamily="18" charset="0"/>
-                <a:ea typeface="Roboto" pitchFamily="2" charset="0"/>
-              </a:rPr>
-              <a:t>.3 </a:t>
-            </a:r>
-            <a:r>
-              <a:rPr lang="en-US" sz="2400" b="1" dirty="0" smtClean="0">
-                <a:solidFill>
-                  <a:srgbClr val="EC5F77"/>
-                </a:solidFill>
-                <a:latin typeface="UTM Helve" panose="02040603050506020204" pitchFamily="18" charset="0"/>
-                <a:ea typeface="Roboto" pitchFamily="2" charset="0"/>
-              </a:rPr>
-              <a:t>Hoạt động học viên</a:t>
-            </a:r>
-            <a:endParaRPr lang="en-US" sz="2400" b="1" dirty="0">
-              <a:solidFill>
-                <a:srgbClr val="EC5F77"/>
-              </a:solidFill>
-              <a:latin typeface="UTM Helve" panose="02040603050506020204" pitchFamily="18" charset="0"/>
-              <a:ea typeface="Roboto" pitchFamily="2" charset="0"/>
-            </a:endParaRPr>
-          </a:p>
-        </p:txBody>
-      </p:sp>
-      <p:sp>
-        <p:nvSpPr>
-          <p:cNvPr id="5" name="TextBox 4"/>
-          <p:cNvSpPr txBox="1"/>
-          <p:nvPr/>
-        </p:nvSpPr>
-        <p:spPr>
-          <a:xfrm>
-            <a:off x="1265305" y="1364739"/>
-            <a:ext cx="5649845" cy="461665"/>
-          </a:xfrm>
-          <a:prstGeom prst="rect">
-            <a:avLst/>
-          </a:prstGeom>
-          <a:noFill/>
-        </p:spPr>
-        <p:txBody>
-          <a:bodyPr wrap="square" rtlCol="0">
-            <a:spAutoFit/>
-          </a:bodyPr>
-          <a:lstStyle/>
-          <a:p>
-            <a:r>
-              <a:rPr lang="en-US" sz="2400" b="1" dirty="0">
-                <a:solidFill>
-                  <a:schemeClr val="tx1">
-                    <a:lumMod val="85000"/>
-                    <a:lumOff val="15000"/>
-                  </a:schemeClr>
-                </a:solidFill>
-                <a:latin typeface="UTM Helve" panose="02040603050506020204" pitchFamily="18" charset="0"/>
-                <a:ea typeface="Roboto" pitchFamily="2" charset="0"/>
-              </a:rPr>
-              <a:t>Đèn Cảnh Báo An Toàn</a:t>
-            </a:r>
-          </a:p>
-        </p:txBody>
-      </p:sp>
-      <p:pic>
-        <p:nvPicPr>
-          <p:cNvPr id="6" name="Picture 5"/>
-          <p:cNvPicPr>
-            <a:picLocks noChangeAspect="1"/>
-          </p:cNvPicPr>
-          <p:nvPr/>
-        </p:nvPicPr>
-        <p:blipFill>
-          <a:blip r:embed="rId2">
-            <a:extLst>
-              <a:ext uri="{28A0092B-C50C-407E-A947-70E740481C1C}">
-                <a14:useLocalDpi xmlns:a14="http://schemas.microsoft.com/office/drawing/2010/main" val="0"/>
-              </a:ext>
-            </a:extLst>
-          </a:blip>
-          <a:stretch>
-            <a:fillRect/>
-          </a:stretch>
-        </p:blipFill>
-        <p:spPr>
-          <a:xfrm>
-            <a:off x="709053" y="1437696"/>
-            <a:ext cx="466725" cy="409575"/>
-          </a:xfrm>
-          <a:prstGeom prst="rect">
-            <a:avLst/>
-          </a:prstGeom>
-        </p:spPr>
-      </p:pic>
-      <p:sp>
-        <p:nvSpPr>
-          <p:cNvPr id="7" name="Rounded Rectangle 6"/>
-          <p:cNvSpPr/>
-          <p:nvPr/>
-        </p:nvSpPr>
-        <p:spPr>
-          <a:xfrm>
-            <a:off x="797038" y="2372139"/>
-            <a:ext cx="4888145" cy="3999363"/>
-          </a:xfrm>
-          <a:prstGeom prst="roundRect">
-            <a:avLst>
-              <a:gd name="adj" fmla="val 3719"/>
-            </a:avLst>
-          </a:prstGeom>
-          <a:noFill/>
-          <a:ln w="28575">
-            <a:solidFill>
-              <a:srgbClr val="EC5F77"/>
-            </a:solidFill>
-            <a:prstDash val="sysDash"/>
-          </a:ln>
-        </p:spPr>
-        <p:style>
-          <a:lnRef idx="2">
-            <a:schemeClr val="accent1">
-              <a:shade val="50000"/>
-            </a:schemeClr>
-          </a:lnRef>
-          <a:fillRef idx="1">
-            <a:schemeClr val="accent1"/>
-          </a:fillRef>
-          <a:effectRef idx="0">
-            <a:schemeClr val="accent1"/>
-          </a:effectRef>
-          <a:fontRef idx="minor">
-            <a:schemeClr val="lt1"/>
-          </a:fontRef>
-        </p:style>
-        <p:txBody>
-          <a:bodyPr rtlCol="0" anchor="ctr"/>
-          <a:lstStyle/>
-          <a:p>
-            <a:pPr algn="ctr"/>
-            <a:endParaRPr lang="en-US"/>
-          </a:p>
-        </p:txBody>
-      </p:sp>
-      <p:sp>
-        <p:nvSpPr>
-          <p:cNvPr id="14" name="Rectangle 13"/>
-          <p:cNvSpPr/>
-          <p:nvPr/>
-        </p:nvSpPr>
-        <p:spPr>
-          <a:xfrm>
-            <a:off x="1194918" y="2524739"/>
-            <a:ext cx="3469189" cy="707886"/>
-          </a:xfrm>
-          <a:prstGeom prst="rect">
-            <a:avLst/>
-          </a:prstGeom>
-        </p:spPr>
-        <p:txBody>
-          <a:bodyPr wrap="square">
-            <a:spAutoFit/>
-          </a:bodyPr>
-          <a:lstStyle/>
-          <a:p>
-            <a:r>
-              <a:rPr lang="vi-VN" sz="2000" dirty="0"/>
-              <a:t>Khi micro:bit bật lên thì hiển thị icon trái tim</a:t>
-            </a:r>
-            <a:endParaRPr lang="en-US" sz="2000" dirty="0"/>
-          </a:p>
-        </p:txBody>
-      </p:sp>
-      <p:sp>
-        <p:nvSpPr>
-          <p:cNvPr id="15" name="Rectangle 14"/>
-          <p:cNvSpPr/>
-          <p:nvPr/>
-        </p:nvSpPr>
-        <p:spPr>
-          <a:xfrm>
-            <a:off x="949812" y="2642620"/>
-            <a:ext cx="198783" cy="198783"/>
-          </a:xfrm>
-          <a:prstGeom prst="rect">
-            <a:avLst/>
-          </a:prstGeom>
-          <a:solidFill>
-            <a:srgbClr val="EC5F77"/>
-          </a:solidFill>
-          <a:ln>
-            <a:noFill/>
-          </a:ln>
-        </p:spPr>
-        <p:style>
-          <a:lnRef idx="2">
-            <a:schemeClr val="accent1">
-              <a:shade val="50000"/>
-            </a:schemeClr>
-          </a:lnRef>
-          <a:fillRef idx="1">
-            <a:schemeClr val="accent1"/>
-          </a:fillRef>
-          <a:effectRef idx="0">
-            <a:schemeClr val="accent1"/>
-          </a:effectRef>
-          <a:fontRef idx="minor">
-            <a:schemeClr val="lt1"/>
-          </a:fontRef>
-        </p:style>
-        <p:txBody>
-          <a:bodyPr rtlCol="0" anchor="ctr"/>
-          <a:lstStyle/>
-          <a:p>
-            <a:pPr algn="ctr"/>
-            <a:endParaRPr lang="en-US"/>
-          </a:p>
-        </p:txBody>
-      </p:sp>
-      <p:sp>
-        <p:nvSpPr>
-          <p:cNvPr id="19" name="Rectangle 18"/>
-          <p:cNvSpPr/>
-          <p:nvPr/>
-        </p:nvSpPr>
-        <p:spPr>
-          <a:xfrm>
-            <a:off x="1194918" y="3266861"/>
-            <a:ext cx="4490265" cy="1015663"/>
-          </a:xfrm>
-          <a:prstGeom prst="rect">
-            <a:avLst/>
-          </a:prstGeom>
-        </p:spPr>
-        <p:txBody>
-          <a:bodyPr wrap="square">
-            <a:spAutoFit/>
-          </a:bodyPr>
-          <a:lstStyle/>
-          <a:p>
-            <a:r>
-              <a:rPr lang="vi-VN" sz="2000" dirty="0"/>
-              <a:t>Khi nhấn Button A, micro:bit dựa vào cường độ ánh sáng để nhận biết làm ban đêm để bật LED và tắt LED</a:t>
-            </a:r>
-            <a:endParaRPr lang="en-US" sz="2000" dirty="0"/>
-          </a:p>
-        </p:txBody>
-      </p:sp>
-      <p:sp>
-        <p:nvSpPr>
-          <p:cNvPr id="20" name="Rectangle 19"/>
-          <p:cNvSpPr/>
-          <p:nvPr/>
-        </p:nvSpPr>
-        <p:spPr>
-          <a:xfrm>
-            <a:off x="949812" y="3397994"/>
-            <a:ext cx="198783" cy="198783"/>
-          </a:xfrm>
-          <a:prstGeom prst="rect">
-            <a:avLst/>
-          </a:prstGeom>
-          <a:solidFill>
-            <a:srgbClr val="EC5F77"/>
-          </a:solidFill>
-          <a:ln>
-            <a:noFill/>
-          </a:ln>
-        </p:spPr>
-        <p:style>
-          <a:lnRef idx="2">
-            <a:schemeClr val="accent1">
-              <a:shade val="50000"/>
-            </a:schemeClr>
-          </a:lnRef>
-          <a:fillRef idx="1">
-            <a:schemeClr val="accent1"/>
-          </a:fillRef>
-          <a:effectRef idx="0">
-            <a:schemeClr val="accent1"/>
-          </a:effectRef>
-          <a:fontRef idx="minor">
-            <a:schemeClr val="lt1"/>
-          </a:fontRef>
-        </p:style>
-        <p:txBody>
-          <a:bodyPr rtlCol="0" anchor="ctr"/>
-          <a:lstStyle/>
-          <a:p>
-            <a:pPr algn="ctr"/>
-            <a:endParaRPr lang="en-US"/>
-          </a:p>
-        </p:txBody>
-      </p:sp>
-      <p:sp>
-        <p:nvSpPr>
-          <p:cNvPr id="21" name="Rectangle 20"/>
-          <p:cNvSpPr/>
-          <p:nvPr/>
-        </p:nvSpPr>
-        <p:spPr>
-          <a:xfrm>
-            <a:off x="1194918" y="4397030"/>
-            <a:ext cx="4357743" cy="1015663"/>
-          </a:xfrm>
-          <a:prstGeom prst="rect">
-            <a:avLst/>
-          </a:prstGeom>
-        </p:spPr>
-        <p:txBody>
-          <a:bodyPr wrap="square">
-            <a:spAutoFit/>
-          </a:bodyPr>
-          <a:lstStyle/>
-          <a:p>
-            <a:r>
-              <a:rPr lang="vi-VN" sz="2000" dirty="0"/>
-              <a:t>Nếu là ban đêm thì bật cả 25 đèn LED, rồi tắt bật liên tục để tạo hiệu ứng đèn LED </a:t>
-            </a:r>
-            <a:r>
-              <a:rPr lang="vi-VN" sz="2000" dirty="0" smtClean="0"/>
-              <a:t>nháy</a:t>
-            </a:r>
-            <a:r>
-              <a:rPr lang="en-US" sz="2000" dirty="0" smtClean="0"/>
-              <a:t> cảnh báo</a:t>
-            </a:r>
-            <a:endParaRPr lang="en-US" sz="2000" dirty="0"/>
-          </a:p>
-        </p:txBody>
-      </p:sp>
-      <p:sp>
-        <p:nvSpPr>
-          <p:cNvPr id="22" name="Rectangle 21"/>
-          <p:cNvSpPr/>
-          <p:nvPr/>
-        </p:nvSpPr>
-        <p:spPr>
-          <a:xfrm>
-            <a:off x="949812" y="4541415"/>
-            <a:ext cx="198783" cy="198783"/>
-          </a:xfrm>
-          <a:prstGeom prst="rect">
-            <a:avLst/>
-          </a:prstGeom>
-          <a:solidFill>
-            <a:srgbClr val="EC5F77"/>
-          </a:solidFill>
-          <a:ln>
-            <a:noFill/>
-          </a:ln>
-        </p:spPr>
-        <p:style>
-          <a:lnRef idx="2">
-            <a:schemeClr val="accent1">
-              <a:shade val="50000"/>
-            </a:schemeClr>
-          </a:lnRef>
-          <a:fillRef idx="1">
-            <a:schemeClr val="accent1"/>
-          </a:fillRef>
-          <a:effectRef idx="0">
-            <a:schemeClr val="accent1"/>
-          </a:effectRef>
-          <a:fontRef idx="minor">
-            <a:schemeClr val="lt1"/>
-          </a:fontRef>
-        </p:style>
-        <p:txBody>
-          <a:bodyPr rtlCol="0" anchor="ctr"/>
-          <a:lstStyle/>
-          <a:p>
-            <a:pPr algn="ctr"/>
-            <a:endParaRPr lang="en-US"/>
-          </a:p>
-        </p:txBody>
-      </p:sp>
-      <p:sp>
-        <p:nvSpPr>
-          <p:cNvPr id="23" name="Rectangle 22"/>
-          <p:cNvSpPr/>
-          <p:nvPr/>
-        </p:nvSpPr>
-        <p:spPr>
-          <a:xfrm>
-            <a:off x="1194918" y="5527199"/>
-            <a:ext cx="3469189" cy="707886"/>
-          </a:xfrm>
-          <a:prstGeom prst="rect">
-            <a:avLst/>
-          </a:prstGeom>
-        </p:spPr>
-        <p:txBody>
-          <a:bodyPr wrap="square">
-            <a:spAutoFit/>
-          </a:bodyPr>
-          <a:lstStyle/>
-          <a:p>
-            <a:r>
-              <a:rPr lang="en-US" sz="2000" dirty="0" smtClean="0"/>
-              <a:t>Nhấn button B thì tắt chương trình</a:t>
-            </a:r>
-            <a:endParaRPr lang="en-US" sz="2000" dirty="0"/>
-          </a:p>
-        </p:txBody>
-      </p:sp>
-      <p:sp>
-        <p:nvSpPr>
-          <p:cNvPr id="24" name="Rectangle 23"/>
-          <p:cNvSpPr/>
-          <p:nvPr/>
-        </p:nvSpPr>
-        <p:spPr>
-          <a:xfrm>
-            <a:off x="949812" y="5671584"/>
-            <a:ext cx="198783" cy="198783"/>
-          </a:xfrm>
-          <a:prstGeom prst="rect">
-            <a:avLst/>
-          </a:prstGeom>
-          <a:solidFill>
-            <a:srgbClr val="EC5F77"/>
-          </a:solidFill>
-          <a:ln>
-            <a:noFill/>
-          </a:ln>
-        </p:spPr>
-        <p:style>
-          <a:lnRef idx="2">
-            <a:schemeClr val="accent1">
-              <a:shade val="50000"/>
-            </a:schemeClr>
-          </a:lnRef>
-          <a:fillRef idx="1">
-            <a:schemeClr val="accent1"/>
-          </a:fillRef>
-          <a:effectRef idx="0">
-            <a:schemeClr val="accent1"/>
-          </a:effectRef>
-          <a:fontRef idx="minor">
-            <a:schemeClr val="lt1"/>
-          </a:fontRef>
-        </p:style>
-        <p:txBody>
-          <a:bodyPr rtlCol="0" anchor="ctr"/>
-          <a:lstStyle/>
-          <a:p>
-            <a:pPr algn="ctr"/>
-            <a:endParaRPr lang="en-US"/>
-          </a:p>
-        </p:txBody>
-      </p:sp>
-      <p:sp>
-        <p:nvSpPr>
-          <p:cNvPr id="8" name="Rounded Rectangle 7"/>
-          <p:cNvSpPr/>
-          <p:nvPr/>
-        </p:nvSpPr>
-        <p:spPr>
-          <a:xfrm>
-            <a:off x="1657804" y="2027583"/>
-            <a:ext cx="3166611" cy="497156"/>
-          </a:xfrm>
-          <a:prstGeom prst="roundRect">
-            <a:avLst>
-              <a:gd name="adj" fmla="val 50000"/>
-            </a:avLst>
-          </a:prstGeom>
-          <a:gradFill flip="none" rotWithShape="1">
-            <a:gsLst>
-              <a:gs pos="15000">
-                <a:srgbClr val="EC5F77"/>
-              </a:gs>
-              <a:gs pos="100000">
-                <a:srgbClr val="FECC36"/>
-              </a:gs>
-            </a:gsLst>
-            <a:lin ang="0" scaled="1"/>
-            <a:tileRect/>
-          </a:gradFill>
-          <a:ln>
-            <a:noFill/>
-          </a:ln>
-        </p:spPr>
-        <p:style>
-          <a:lnRef idx="2">
-            <a:schemeClr val="accent1">
-              <a:shade val="50000"/>
-            </a:schemeClr>
-          </a:lnRef>
-          <a:fillRef idx="1">
-            <a:schemeClr val="accent1"/>
-          </a:fillRef>
-          <a:effectRef idx="0">
-            <a:schemeClr val="accent1"/>
-          </a:effectRef>
-          <a:fontRef idx="minor">
-            <a:schemeClr val="lt1"/>
-          </a:fontRef>
-        </p:style>
-        <p:txBody>
-          <a:bodyPr rtlCol="0" anchor="ctr"/>
-          <a:lstStyle/>
-          <a:p>
-            <a:pPr algn="ctr"/>
-            <a:r>
-              <a:rPr lang="en-US" b="1" dirty="0" smtClean="0"/>
-              <a:t>Yêu cầu chương trình</a:t>
-            </a:r>
-            <a:endParaRPr lang="en-US" b="1" dirty="0"/>
-          </a:p>
-        </p:txBody>
-      </p:sp>
-      <p:pic>
-        <p:nvPicPr>
-          <p:cNvPr id="9" name="Picture 8"/>
-          <p:cNvPicPr>
-            <a:picLocks noChangeAspect="1"/>
-          </p:cNvPicPr>
-          <p:nvPr/>
-        </p:nvPicPr>
-        <p:blipFill>
-          <a:blip r:embed="rId3"/>
-          <a:stretch>
-            <a:fillRect/>
-          </a:stretch>
-        </p:blipFill>
-        <p:spPr>
-          <a:xfrm>
-            <a:off x="7083049" y="2674437"/>
-            <a:ext cx="1581371" cy="704948"/>
-          </a:xfrm>
-          <a:prstGeom prst="rect">
-            <a:avLst/>
-          </a:prstGeom>
-        </p:spPr>
-      </p:pic>
-      <p:pic>
-        <p:nvPicPr>
-          <p:cNvPr id="11" name="Picture 10"/>
-          <p:cNvPicPr>
-            <a:picLocks noChangeAspect="1"/>
-          </p:cNvPicPr>
-          <p:nvPr/>
-        </p:nvPicPr>
-        <p:blipFill>
-          <a:blip r:embed="rId4"/>
-          <a:stretch>
-            <a:fillRect/>
-          </a:stretch>
-        </p:blipFill>
-        <p:spPr>
-          <a:xfrm>
-            <a:off x="5851715" y="3547337"/>
-            <a:ext cx="1171739" cy="1457528"/>
-          </a:xfrm>
-          <a:prstGeom prst="rect">
-            <a:avLst/>
-          </a:prstGeom>
-        </p:spPr>
-      </p:pic>
-      <p:pic>
-        <p:nvPicPr>
-          <p:cNvPr id="25" name="Picture 24"/>
-          <p:cNvPicPr>
-            <a:picLocks noChangeAspect="1"/>
-          </p:cNvPicPr>
-          <p:nvPr/>
-        </p:nvPicPr>
-        <p:blipFill>
-          <a:blip r:embed="rId5"/>
-          <a:stretch>
-            <a:fillRect/>
-          </a:stretch>
-        </p:blipFill>
-        <p:spPr>
-          <a:xfrm>
-            <a:off x="5837957" y="2674437"/>
-            <a:ext cx="1224965" cy="816644"/>
-          </a:xfrm>
-          <a:prstGeom prst="rect">
-            <a:avLst/>
-          </a:prstGeom>
-        </p:spPr>
-      </p:pic>
-      <p:pic>
-        <p:nvPicPr>
-          <p:cNvPr id="26" name="Picture 25"/>
-          <p:cNvPicPr>
-            <a:picLocks noChangeAspect="1"/>
-          </p:cNvPicPr>
-          <p:nvPr/>
-        </p:nvPicPr>
-        <p:blipFill>
-          <a:blip r:embed="rId6"/>
-          <a:stretch>
-            <a:fillRect/>
-          </a:stretch>
-        </p:blipFill>
-        <p:spPr>
-          <a:xfrm>
-            <a:off x="7125917" y="3565773"/>
-            <a:ext cx="1495634" cy="1114581"/>
-          </a:xfrm>
-          <a:prstGeom prst="rect">
-            <a:avLst/>
-          </a:prstGeom>
-        </p:spPr>
-      </p:pic>
-      <p:pic>
-        <p:nvPicPr>
-          <p:cNvPr id="27" name="Picture 26"/>
-          <p:cNvPicPr>
-            <a:picLocks noChangeAspect="1"/>
-          </p:cNvPicPr>
-          <p:nvPr/>
-        </p:nvPicPr>
-        <p:blipFill>
-          <a:blip r:embed="rId7"/>
-          <a:stretch>
-            <a:fillRect/>
-          </a:stretch>
-        </p:blipFill>
-        <p:spPr>
-          <a:xfrm>
-            <a:off x="7083049" y="4764903"/>
-            <a:ext cx="1867161" cy="647790"/>
-          </a:xfrm>
-          <a:prstGeom prst="rect">
-            <a:avLst/>
-          </a:prstGeom>
-        </p:spPr>
-      </p:pic>
-      <p:pic>
-        <p:nvPicPr>
-          <p:cNvPr id="28" name="Picture 27"/>
-          <p:cNvPicPr>
-            <a:picLocks noChangeAspect="1"/>
-          </p:cNvPicPr>
-          <p:nvPr/>
-        </p:nvPicPr>
-        <p:blipFill>
-          <a:blip r:embed="rId8"/>
-          <a:stretch>
-            <a:fillRect/>
-          </a:stretch>
-        </p:blipFill>
-        <p:spPr>
-          <a:xfrm>
-            <a:off x="5781579" y="5412693"/>
-            <a:ext cx="1638529" cy="590632"/>
-          </a:xfrm>
-          <a:prstGeom prst="rect">
-            <a:avLst/>
-          </a:prstGeom>
-        </p:spPr>
-      </p:pic>
-      <p:pic>
-        <p:nvPicPr>
-          <p:cNvPr id="30" name="Picture 29"/>
-          <p:cNvPicPr>
-            <a:picLocks noChangeAspect="1"/>
-          </p:cNvPicPr>
-          <p:nvPr/>
-        </p:nvPicPr>
-        <p:blipFill>
-          <a:blip r:embed="rId9"/>
-          <a:stretch>
-            <a:fillRect/>
-          </a:stretch>
-        </p:blipFill>
-        <p:spPr>
-          <a:xfrm>
-            <a:off x="5851715" y="1420078"/>
-            <a:ext cx="2022020" cy="1141847"/>
-          </a:xfrm>
-          <a:prstGeom prst="rect">
-            <a:avLst/>
-          </a:prstGeom>
-        </p:spPr>
-      </p:pic>
-      <p:pic>
-        <p:nvPicPr>
-          <p:cNvPr id="31" name="Picture 30"/>
-          <p:cNvPicPr>
-            <a:picLocks noChangeAspect="1"/>
-          </p:cNvPicPr>
-          <p:nvPr/>
-        </p:nvPicPr>
-        <p:blipFill>
-          <a:blip r:embed="rId10"/>
-          <a:stretch>
-            <a:fillRect/>
-          </a:stretch>
-        </p:blipFill>
-        <p:spPr>
-          <a:xfrm>
-            <a:off x="7559366" y="5370869"/>
-            <a:ext cx="1105054" cy="800212"/>
-          </a:xfrm>
-          <a:prstGeom prst="rect">
-            <a:avLst/>
-          </a:prstGeom>
-        </p:spPr>
-      </p:pic>
-      <p:sp>
-        <p:nvSpPr>
-          <p:cNvPr id="32" name="Title 1"/>
-          <p:cNvSpPr txBox="1">
-            <a:spLocks/>
-          </p:cNvSpPr>
-          <p:nvPr/>
-        </p:nvSpPr>
-        <p:spPr>
-          <a:xfrm>
-            <a:off x="5851715" y="6060484"/>
-            <a:ext cx="1568393" cy="395568"/>
-          </a:xfrm>
-          <a:prstGeom prst="rect">
-            <a:avLst/>
-          </a:prstGeom>
-        </p:spPr>
-        <p:txBody>
-          <a:bodyPr/>
-          <a:lstStyle>
-            <a:lvl1pPr algn="l" defTabSz="914400" rtl="0" eaLnBrk="1" latinLnBrk="0" hangingPunct="1">
-              <a:lnSpc>
-                <a:spcPct val="90000"/>
-              </a:lnSpc>
-              <a:spcBef>
-                <a:spcPct val="0"/>
-              </a:spcBef>
-              <a:buNone/>
-              <a:defRPr sz="3200" b="1" kern="1200">
-                <a:solidFill>
-                  <a:srgbClr val="019DD0"/>
-                </a:solidFill>
-                <a:latin typeface="Arial" panose="020B0604020202020204" pitchFamily="34" charset="0"/>
-                <a:ea typeface="+mj-ea"/>
-                <a:cs typeface="Arial" panose="020B0604020202020204" pitchFamily="34" charset="0"/>
-              </a:defRPr>
-            </a:lvl1pPr>
-          </a:lstStyle>
-          <a:p>
-            <a:pPr algn="ctr">
-              <a:lnSpc>
-                <a:spcPct val="100000"/>
-              </a:lnSpc>
-            </a:pPr>
-            <a:r>
-              <a:rPr lang="en-US" sz="1800" b="0" i="1" dirty="0" smtClean="0">
-                <a:solidFill>
-                  <a:schemeClr val="tx1">
-                    <a:lumMod val="95000"/>
-                    <a:lumOff val="5000"/>
-                  </a:schemeClr>
-                </a:solidFill>
-                <a:ea typeface="Roboto Condensed" pitchFamily="2" charset="0"/>
-              </a:rPr>
-              <a:t>Block gợi ý</a:t>
-            </a:r>
-          </a:p>
-        </p:txBody>
-      </p:sp>
-    </p:spTree>
-    <p:extLst>
-      <p:ext uri="{BB962C8B-B14F-4D97-AF65-F5344CB8AC3E}">
-        <p14:creationId xmlns:p14="http://schemas.microsoft.com/office/powerpoint/2010/main" val="2723024064"/>
-      </p:ext>
-    </p:extLst>
-  </p:cSld>
-  <p:clrMapOvr>
-    <a:masterClrMapping/>
-  </p:clrMapOvr>
+  <p:timing>
+    <p:tnLst>
+      <p:par>
+        <p:cTn id="1" dur="indefinite" restart="never" nodeType="tmRoot"/>
+      </p:par>
+    </p:tnLst>
+  </p:timing>
 </p:sld>
 </file>
 
@@ -4747,17 +3365,7 @@
                 <a:latin typeface="UTM Helve" panose="02040603050506020204" pitchFamily="18" charset="0"/>
                 <a:ea typeface="Roboto" pitchFamily="2" charset="0"/>
               </a:rPr>
-              <a:t>.1 </a:t>
-            </a:r>
-            <a:r>
-              <a:rPr lang="en-US" sz="2400" b="1" dirty="0" smtClean="0">
-                <a:solidFill>
-                  <a:srgbClr val="EC5F77"/>
-                </a:solidFill>
-                <a:latin typeface="UTM Helve" panose="02040603050506020204" pitchFamily="18" charset="0"/>
-                <a:ea typeface="Roboto" pitchFamily="2" charset="0"/>
-              </a:rPr>
-              <a:t>Cảm biến ánh sáng</a:t>
+              <a:t>.1 Cảm biến ánh sáng</a:t>
             </a:r>
             <a:endParaRPr lang="en-US" sz="2400" b="1" dirty="0">
               <a:solidFill>
@@ -5251,17 +3859,7 @@
                 <a:latin typeface="UTM Helve" panose="02040603050506020204" pitchFamily="18" charset="0"/>
                 <a:ea typeface="Roboto" pitchFamily="2" charset="0"/>
               </a:rPr>
-              <a:t>.2 </a:t>
-            </a:r>
-            <a:r>
-              <a:rPr lang="en-US" sz="2400" b="1" dirty="0" smtClean="0">
-                <a:solidFill>
-                  <a:srgbClr val="EC5F77"/>
-                </a:solidFill>
-                <a:latin typeface="UTM Helve" panose="02040603050506020204" pitchFamily="18" charset="0"/>
-                <a:ea typeface="Roboto" pitchFamily="2" charset="0"/>
-              </a:rPr>
-              <a:t>Sử dụng cảm biến ánh sáng với micro:bit</a:t>
+              <a:t>.2 Sử dụng cảm biến ánh sáng với micro:bit</a:t>
             </a:r>
             <a:endParaRPr lang="en-US" sz="2400" b="1" dirty="0">
               <a:solidFill>
@@ -5963,17 +4561,7 @@
                 <a:latin typeface="UTM Helve" panose="02040603050506020204" pitchFamily="18" charset="0"/>
                 <a:ea typeface="Roboto" pitchFamily="2" charset="0"/>
               </a:rPr>
-              <a:t>.2 </a:t>
-            </a:r>
-            <a:r>
-              <a:rPr lang="en-US" sz="2400" b="1" dirty="0" smtClean="0">
-                <a:solidFill>
-                  <a:srgbClr val="EC5F77"/>
-                </a:solidFill>
-                <a:latin typeface="UTM Helve" panose="02040603050506020204" pitchFamily="18" charset="0"/>
-                <a:ea typeface="Roboto" pitchFamily="2" charset="0"/>
-              </a:rPr>
-              <a:t>Sử dụng cảm biến ánh sáng với micro:bit</a:t>
+              <a:t>.2 Sử dụng cảm biến ánh sáng với micro:bit</a:t>
             </a:r>
             <a:endParaRPr lang="en-US" sz="2400" b="1" dirty="0">
               <a:solidFill>
@@ -6620,17 +5208,7 @@
                 <a:latin typeface="UTM Helve" panose="02040603050506020204" pitchFamily="18" charset="0"/>
                 <a:ea typeface="Roboto" pitchFamily="2" charset="0"/>
               </a:rPr>
-              <a:t>.2 </a:t>
-            </a:r>
-            <a:r>
-              <a:rPr lang="en-US" sz="2400" b="1" dirty="0" smtClean="0">
-                <a:solidFill>
-                  <a:srgbClr val="EC5F77"/>
-                </a:solidFill>
-                <a:latin typeface="UTM Helve" panose="02040603050506020204" pitchFamily="18" charset="0"/>
-                <a:ea typeface="Roboto" pitchFamily="2" charset="0"/>
-              </a:rPr>
-              <a:t>Sử dụng cảm biến ánh sáng với micro:bit</a:t>
+              <a:t>.2 Sử dụng cảm biến ánh sáng với micro:bit</a:t>
             </a:r>
             <a:endParaRPr lang="en-US" sz="2400" b="1" dirty="0">
               <a:solidFill>
@@ -7352,371 +5930,7 @@
       </p:sp>
       <p:sp>
         <p:nvSpPr>
-          <p:cNvPr id="3" name="Title 1"/>
-          <p:cNvSpPr txBox="1">
-            <a:spLocks/>
-          </p:cNvSpPr>
-          <p:nvPr/>
-        </p:nvSpPr>
-        <p:spPr>
-          <a:xfrm>
-            <a:off x="709053" y="4862785"/>
-            <a:ext cx="5644503" cy="508846"/>
-          </a:xfrm>
-          <a:prstGeom prst="rect">
-            <a:avLst/>
-          </a:prstGeom>
-        </p:spPr>
-        <p:txBody>
-          <a:bodyPr/>
-          <a:lstStyle>
-            <a:lvl1pPr algn="l" defTabSz="914400" rtl="0" eaLnBrk="1" latinLnBrk="0" hangingPunct="1">
-              <a:lnSpc>
-                <a:spcPct val="90000"/>
-              </a:lnSpc>
-              <a:spcBef>
-                <a:spcPct val="0"/>
-              </a:spcBef>
-              <a:buNone/>
-              <a:defRPr sz="3200" b="1" kern="1200">
-                <a:solidFill>
-                  <a:srgbClr val="019DD0"/>
-                </a:solidFill>
-                <a:latin typeface="Arial" panose="020B0604020202020204" pitchFamily="34" charset="0"/>
-                <a:ea typeface="+mj-ea"/>
-                <a:cs typeface="Arial" panose="020B0604020202020204" pitchFamily="34" charset="0"/>
-              </a:defRPr>
-            </a:lvl1pPr>
-          </a:lstStyle>
-          <a:p>
-            <a:pPr>
-              <a:lnSpc>
-                <a:spcPct val="100000"/>
-              </a:lnSpc>
-            </a:pPr>
-            <a:r>
-              <a:rPr lang="en-US" sz="2000" b="0" dirty="0" smtClean="0">
-                <a:solidFill>
-                  <a:schemeClr val="tx1">
-                    <a:lumMod val="95000"/>
-                    <a:lumOff val="5000"/>
-                  </a:schemeClr>
-                </a:solidFill>
-                <a:ea typeface="Roboto Condensed" pitchFamily="2" charset="0"/>
-              </a:rPr>
-              <a:t>Bước 1: Click Download tải file về máy tính</a:t>
-            </a:r>
-          </a:p>
-        </p:txBody>
-      </p:sp>
-      <p:pic>
-        <p:nvPicPr>
-          <p:cNvPr id="4" name="Picture 3"/>
-          <p:cNvPicPr>
-            <a:picLocks noChangeAspect="1"/>
-          </p:cNvPicPr>
-          <p:nvPr/>
-        </p:nvPicPr>
-        <p:blipFill>
-          <a:blip r:embed="rId2"/>
-          <a:stretch>
-            <a:fillRect/>
-          </a:stretch>
-        </p:blipFill>
-        <p:spPr>
-          <a:xfrm>
-            <a:off x="5743928" y="4822111"/>
-            <a:ext cx="2909512" cy="456394"/>
-          </a:xfrm>
-          <a:prstGeom prst="rect">
-            <a:avLst/>
-          </a:prstGeom>
-        </p:spPr>
-      </p:pic>
-      <p:sp>
-        <p:nvSpPr>
-          <p:cNvPr id="5" name="Title 1"/>
-          <p:cNvSpPr txBox="1">
-            <a:spLocks/>
-          </p:cNvSpPr>
-          <p:nvPr/>
-        </p:nvSpPr>
-        <p:spPr>
-          <a:xfrm>
-            <a:off x="709053" y="5412305"/>
-            <a:ext cx="8047836" cy="496573"/>
-          </a:xfrm>
-          <a:prstGeom prst="rect">
-            <a:avLst/>
-          </a:prstGeom>
-        </p:spPr>
-        <p:txBody>
-          <a:bodyPr/>
-          <a:lstStyle>
-            <a:lvl1pPr algn="l" defTabSz="914400" rtl="0" eaLnBrk="1" latinLnBrk="0" hangingPunct="1">
-              <a:lnSpc>
-                <a:spcPct val="90000"/>
-              </a:lnSpc>
-              <a:spcBef>
-                <a:spcPct val="0"/>
-              </a:spcBef>
-              <a:buNone/>
-              <a:defRPr sz="3200" b="1" kern="1200">
-                <a:solidFill>
-                  <a:srgbClr val="019DD0"/>
-                </a:solidFill>
-                <a:latin typeface="Arial" panose="020B0604020202020204" pitchFamily="34" charset="0"/>
-                <a:ea typeface="+mj-ea"/>
-                <a:cs typeface="Arial" panose="020B0604020202020204" pitchFamily="34" charset="0"/>
-              </a:defRPr>
-            </a:lvl1pPr>
-          </a:lstStyle>
-          <a:p>
-            <a:pPr>
-              <a:lnSpc>
-                <a:spcPct val="100000"/>
-              </a:lnSpc>
-            </a:pPr>
-            <a:r>
-              <a:rPr lang="en-US" sz="2000" b="0" dirty="0" smtClean="0">
-                <a:solidFill>
-                  <a:schemeClr val="tx1">
-                    <a:lumMod val="95000"/>
-                    <a:lumOff val="5000"/>
-                  </a:schemeClr>
-                </a:solidFill>
-                <a:ea typeface="Roboto Condensed" pitchFamily="2" charset="0"/>
-              </a:rPr>
-              <a:t>Bước 2: Gắn đầu USB vào máy tính, đầu micro USB vào micro:bit </a:t>
-            </a:r>
-          </a:p>
-        </p:txBody>
-      </p:sp>
-      <p:sp>
-        <p:nvSpPr>
-          <p:cNvPr id="8" name="TextBox 7"/>
-          <p:cNvSpPr txBox="1"/>
-          <p:nvPr/>
-        </p:nvSpPr>
-        <p:spPr>
-          <a:xfrm>
-            <a:off x="1265305" y="1364739"/>
-            <a:ext cx="5649845" cy="461665"/>
-          </a:xfrm>
-          <a:prstGeom prst="rect">
-            <a:avLst/>
-          </a:prstGeom>
-          <a:noFill/>
-        </p:spPr>
-        <p:txBody>
-          <a:bodyPr wrap="square" rtlCol="0">
-            <a:spAutoFit/>
-          </a:bodyPr>
-          <a:lstStyle/>
-          <a:p>
-            <a:r>
-              <a:rPr lang="en-US" sz="2400" b="1" dirty="0" smtClean="0">
-                <a:solidFill>
-                  <a:schemeClr val="tx1">
-                    <a:lumMod val="85000"/>
-                    <a:lumOff val="15000"/>
-                  </a:schemeClr>
-                </a:solidFill>
-                <a:latin typeface="UTM Helve" panose="02040603050506020204" pitchFamily="18" charset="0"/>
-                <a:ea typeface="Roboto" pitchFamily="2" charset="0"/>
-              </a:rPr>
-              <a:t>Đưa chương trình vào micro:bit</a:t>
-            </a:r>
-            <a:endParaRPr lang="en-US" sz="2400" b="1" dirty="0">
-              <a:solidFill>
-                <a:schemeClr val="tx1">
-                  <a:lumMod val="85000"/>
-                  <a:lumOff val="15000"/>
-                </a:schemeClr>
-              </a:solidFill>
-              <a:latin typeface="UTM Helve" panose="02040603050506020204" pitchFamily="18" charset="0"/>
-              <a:ea typeface="Roboto" pitchFamily="2" charset="0"/>
-            </a:endParaRPr>
-          </a:p>
-        </p:txBody>
-      </p:sp>
-      <p:pic>
-        <p:nvPicPr>
-          <p:cNvPr id="9" name="Picture 8"/>
-          <p:cNvPicPr>
-            <a:picLocks noChangeAspect="1"/>
-          </p:cNvPicPr>
-          <p:nvPr/>
-        </p:nvPicPr>
-        <p:blipFill>
-          <a:blip r:embed="rId3">
-            <a:extLst>
-              <a:ext uri="{28A0092B-C50C-407E-A947-70E740481C1C}">
-                <a14:useLocalDpi xmlns:a14="http://schemas.microsoft.com/office/drawing/2010/main" val="0"/>
-              </a:ext>
-            </a:extLst>
-          </a:blip>
-          <a:stretch>
-            <a:fillRect/>
-          </a:stretch>
-        </p:blipFill>
-        <p:spPr>
-          <a:xfrm>
-            <a:off x="709053" y="1437696"/>
-            <a:ext cx="466725" cy="409575"/>
-          </a:xfrm>
-          <a:prstGeom prst="rect">
-            <a:avLst/>
-          </a:prstGeom>
-        </p:spPr>
-      </p:pic>
-      <p:pic>
-        <p:nvPicPr>
-          <p:cNvPr id="11" name="Picture 10"/>
-          <p:cNvPicPr>
-            <a:picLocks noChangeAspect="1"/>
-          </p:cNvPicPr>
-          <p:nvPr/>
-        </p:nvPicPr>
-        <p:blipFill rotWithShape="1">
-          <a:blip r:embed="rId4"/>
-          <a:srcRect t="9567"/>
-          <a:stretch/>
-        </p:blipFill>
-        <p:spPr>
-          <a:xfrm>
-            <a:off x="1477989" y="1992477"/>
-            <a:ext cx="6441059" cy="2452204"/>
-          </a:xfrm>
-          <a:prstGeom prst="rect">
-            <a:avLst/>
-          </a:prstGeom>
-        </p:spPr>
-      </p:pic>
-      <p:sp>
-        <p:nvSpPr>
-          <p:cNvPr id="12" name="Title 1"/>
-          <p:cNvSpPr txBox="1">
-            <a:spLocks/>
-          </p:cNvSpPr>
-          <p:nvPr/>
-        </p:nvSpPr>
-        <p:spPr>
-          <a:xfrm>
-            <a:off x="709053" y="5983805"/>
-            <a:ext cx="8047836" cy="496573"/>
-          </a:xfrm>
-          <a:prstGeom prst="rect">
-            <a:avLst/>
-          </a:prstGeom>
-        </p:spPr>
-        <p:txBody>
-          <a:bodyPr/>
-          <a:lstStyle>
-            <a:lvl1pPr algn="l" defTabSz="914400" rtl="0" eaLnBrk="1" latinLnBrk="0" hangingPunct="1">
-              <a:lnSpc>
-                <a:spcPct val="90000"/>
-              </a:lnSpc>
-              <a:spcBef>
-                <a:spcPct val="0"/>
-              </a:spcBef>
-              <a:buNone/>
-              <a:defRPr sz="3200" b="1" kern="1200">
-                <a:solidFill>
-                  <a:srgbClr val="019DD0"/>
-                </a:solidFill>
-                <a:latin typeface="Arial" panose="020B0604020202020204" pitchFamily="34" charset="0"/>
-                <a:ea typeface="+mj-ea"/>
-                <a:cs typeface="Arial" panose="020B0604020202020204" pitchFamily="34" charset="0"/>
-              </a:defRPr>
-            </a:lvl1pPr>
-          </a:lstStyle>
-          <a:p>
-            <a:pPr>
-              <a:lnSpc>
-                <a:spcPct val="100000"/>
-              </a:lnSpc>
-            </a:pPr>
-            <a:r>
-              <a:rPr lang="en-US" sz="2000" b="0" dirty="0" smtClean="0">
-                <a:solidFill>
-                  <a:schemeClr val="tx1">
-                    <a:lumMod val="95000"/>
-                    <a:lumOff val="5000"/>
-                  </a:schemeClr>
-                </a:solidFill>
-                <a:ea typeface="Roboto Condensed" pitchFamily="2" charset="0"/>
-              </a:rPr>
-              <a:t>Bước 3: Copy file .hex vào micro:bit </a:t>
-            </a:r>
-          </a:p>
-        </p:txBody>
-      </p:sp>
-      <p:sp>
-        <p:nvSpPr>
-          <p:cNvPr id="15" name="TextBox 14"/>
-          <p:cNvSpPr txBox="1"/>
-          <p:nvPr/>
-        </p:nvSpPr>
-        <p:spPr>
-          <a:xfrm>
-            <a:off x="248815" y="546584"/>
-            <a:ext cx="7374995" cy="461665"/>
-          </a:xfrm>
-          <a:prstGeom prst="rect">
-            <a:avLst/>
-          </a:prstGeom>
-          <a:noFill/>
-        </p:spPr>
-        <p:txBody>
-          <a:bodyPr wrap="square" rtlCol="0">
-            <a:spAutoFit/>
-          </a:bodyPr>
-          <a:lstStyle/>
-          <a:p>
-            <a:r>
-              <a:rPr lang="en-US" sz="2400" b="1" dirty="0">
-                <a:solidFill>
-                  <a:srgbClr val="EC5F77"/>
-                </a:solidFill>
-                <a:latin typeface="UTM Helve" panose="02040603050506020204" pitchFamily="18" charset="0"/>
-                <a:ea typeface="Roboto" pitchFamily="2" charset="0"/>
-              </a:rPr>
-              <a:t>8</a:t>
-            </a:r>
-            <a:r>
-              <a:rPr lang="en-US" sz="2400" b="1" dirty="0" smtClean="0">
-                <a:solidFill>
-                  <a:srgbClr val="EC5F77"/>
-                </a:solidFill>
-                <a:latin typeface="UTM Helve" panose="02040603050506020204" pitchFamily="18" charset="0"/>
-                <a:ea typeface="Roboto" pitchFamily="2" charset="0"/>
-              </a:rPr>
-              <a:t>.2 </a:t>
-            </a:r>
-            <a:r>
-              <a:rPr lang="en-US" sz="2400" b="1" dirty="0" smtClean="0">
-                <a:solidFill>
-                  <a:srgbClr val="EC5F77"/>
-                </a:solidFill>
-                <a:latin typeface="UTM Helve" panose="02040603050506020204" pitchFamily="18" charset="0"/>
-                <a:ea typeface="Roboto" pitchFamily="2" charset="0"/>
-              </a:rPr>
-              <a:t>Sử dụng cảm biến ánh sáng với micro:bit</a:t>
-            </a:r>
-            <a:endParaRPr lang="en-US" sz="2400" b="1" dirty="0">
-              <a:solidFill>
-                <a:srgbClr val="EC5F77"/>
-              </a:solidFill>
-              <a:latin typeface="UTM Helve" panose="02040603050506020204" pitchFamily="18" charset="0"/>
-              <a:ea typeface="Roboto" pitchFamily="2" charset="0"/>
-            </a:endParaRPr>
-          </a:p>
-        </p:txBody>
-      </p:sp>
-      <p:sp>
-        <p:nvSpPr>
-          <p:cNvPr id="16" name="Rectangle 15"/>
+          <p:cNvPr id="3" name="Rectangle 2"/>
           <p:cNvSpPr/>
           <p:nvPr/>
         </p:nvSpPr>
@@ -7769,16 +5983,458 @@
           </a:p>
         </p:txBody>
       </p:sp>
+      <p:sp>
+        <p:nvSpPr>
+          <p:cNvPr id="4" name="TextBox 3"/>
+          <p:cNvSpPr txBox="1"/>
+          <p:nvPr/>
+        </p:nvSpPr>
+        <p:spPr>
+          <a:xfrm>
+            <a:off x="248815" y="546584"/>
+            <a:ext cx="7374995" cy="461665"/>
+          </a:xfrm>
+          <a:prstGeom prst="rect">
+            <a:avLst/>
+          </a:prstGeom>
+          <a:noFill/>
+        </p:spPr>
+        <p:txBody>
+          <a:bodyPr wrap="square" rtlCol="0">
+            <a:spAutoFit/>
+          </a:bodyPr>
+          <a:lstStyle/>
+          <a:p>
+            <a:r>
+              <a:rPr lang="en-US" sz="2400" b="1" dirty="0">
+                <a:solidFill>
+                  <a:srgbClr val="EC5F77"/>
+                </a:solidFill>
+                <a:latin typeface="UTM Helve" panose="02040603050506020204" pitchFamily="18" charset="0"/>
+                <a:ea typeface="Roboto" pitchFamily="2" charset="0"/>
+              </a:rPr>
+              <a:t>8</a:t>
+            </a:r>
+            <a:r>
+              <a:rPr lang="en-US" sz="2400" b="1" dirty="0" smtClean="0">
+                <a:solidFill>
+                  <a:srgbClr val="EC5F77"/>
+                </a:solidFill>
+                <a:latin typeface="UTM Helve" panose="02040603050506020204" pitchFamily="18" charset="0"/>
+                <a:ea typeface="Roboto" pitchFamily="2" charset="0"/>
+              </a:rPr>
+              <a:t>.3 Hoạt động học viên</a:t>
+            </a:r>
+            <a:endParaRPr lang="en-US" sz="2400" b="1" dirty="0">
+              <a:solidFill>
+                <a:srgbClr val="EC5F77"/>
+              </a:solidFill>
+              <a:latin typeface="UTM Helve" panose="02040603050506020204" pitchFamily="18" charset="0"/>
+              <a:ea typeface="Roboto" pitchFamily="2" charset="0"/>
+            </a:endParaRPr>
+          </a:p>
+        </p:txBody>
+      </p:sp>
+      <p:sp>
+        <p:nvSpPr>
+          <p:cNvPr id="5" name="TextBox 4"/>
+          <p:cNvSpPr txBox="1"/>
+          <p:nvPr/>
+        </p:nvSpPr>
+        <p:spPr>
+          <a:xfrm>
+            <a:off x="1265305" y="1364739"/>
+            <a:ext cx="5649845" cy="461665"/>
+          </a:xfrm>
+          <a:prstGeom prst="rect">
+            <a:avLst/>
+          </a:prstGeom>
+          <a:noFill/>
+        </p:spPr>
+        <p:txBody>
+          <a:bodyPr wrap="square" rtlCol="0">
+            <a:spAutoFit/>
+          </a:bodyPr>
+          <a:lstStyle/>
+          <a:p>
+            <a:r>
+              <a:rPr lang="en-US" sz="2400" b="1" dirty="0">
+                <a:solidFill>
+                  <a:schemeClr val="tx1">
+                    <a:lumMod val="85000"/>
+                    <a:lumOff val="15000"/>
+                  </a:schemeClr>
+                </a:solidFill>
+                <a:latin typeface="UTM Helve" panose="02040603050506020204" pitchFamily="18" charset="0"/>
+                <a:ea typeface="Roboto" pitchFamily="2" charset="0"/>
+              </a:rPr>
+              <a:t>Cột đèn thông minh</a:t>
+            </a:r>
+          </a:p>
+        </p:txBody>
+      </p:sp>
+      <p:pic>
+        <p:nvPicPr>
+          <p:cNvPr id="6" name="Picture 5"/>
+          <p:cNvPicPr>
+            <a:picLocks noChangeAspect="1"/>
+          </p:cNvPicPr>
+          <p:nvPr/>
+        </p:nvPicPr>
+        <p:blipFill>
+          <a:blip r:embed="rId2">
+            <a:extLst>
+              <a:ext uri="{28A0092B-C50C-407E-A947-70E740481C1C}">
+                <a14:useLocalDpi xmlns:a14="http://schemas.microsoft.com/office/drawing/2010/main" val="0"/>
+              </a:ext>
+            </a:extLst>
+          </a:blip>
+          <a:stretch>
+            <a:fillRect/>
+          </a:stretch>
+        </p:blipFill>
+        <p:spPr>
+          <a:xfrm>
+            <a:off x="709053" y="1437696"/>
+            <a:ext cx="466725" cy="409575"/>
+          </a:xfrm>
+          <a:prstGeom prst="rect">
+            <a:avLst/>
+          </a:prstGeom>
+        </p:spPr>
+      </p:pic>
+      <p:sp>
+        <p:nvSpPr>
+          <p:cNvPr id="7" name="Rounded Rectangle 6"/>
+          <p:cNvSpPr/>
+          <p:nvPr/>
+        </p:nvSpPr>
+        <p:spPr>
+          <a:xfrm>
+            <a:off x="602588" y="2014330"/>
+            <a:ext cx="3909703" cy="4134679"/>
+          </a:xfrm>
+          <a:prstGeom prst="roundRect">
+            <a:avLst>
+              <a:gd name="adj" fmla="val 3719"/>
+            </a:avLst>
+          </a:prstGeom>
+          <a:noFill/>
+          <a:ln w="19050">
+            <a:solidFill>
+              <a:srgbClr val="EC5F77"/>
+            </a:solidFill>
+            <a:prstDash val="sysDash"/>
+          </a:ln>
+        </p:spPr>
+        <p:style>
+          <a:lnRef idx="2">
+            <a:schemeClr val="accent1">
+              <a:shade val="50000"/>
+            </a:schemeClr>
+          </a:lnRef>
+          <a:fillRef idx="1">
+            <a:schemeClr val="accent1"/>
+          </a:fillRef>
+          <a:effectRef idx="0">
+            <a:schemeClr val="accent1"/>
+          </a:effectRef>
+          <a:fontRef idx="minor">
+            <a:schemeClr val="lt1"/>
+          </a:fontRef>
+        </p:style>
+        <p:txBody>
+          <a:bodyPr rtlCol="0" anchor="ctr"/>
+          <a:lstStyle/>
+          <a:p>
+            <a:pPr algn="ctr"/>
+            <a:endParaRPr lang="en-US"/>
+          </a:p>
+        </p:txBody>
+      </p:sp>
+      <p:sp>
+        <p:nvSpPr>
+          <p:cNvPr id="9" name="Title 1"/>
+          <p:cNvSpPr txBox="1">
+            <a:spLocks/>
+          </p:cNvSpPr>
+          <p:nvPr/>
+        </p:nvSpPr>
+        <p:spPr>
+          <a:xfrm>
+            <a:off x="709053" y="2425454"/>
+            <a:ext cx="4410020" cy="549162"/>
+          </a:xfrm>
+          <a:prstGeom prst="rect">
+            <a:avLst/>
+          </a:prstGeom>
+        </p:spPr>
+        <p:txBody>
+          <a:bodyPr/>
+          <a:lstStyle>
+            <a:lvl1pPr algn="l" defTabSz="914400" rtl="0" eaLnBrk="1" latinLnBrk="0" hangingPunct="1">
+              <a:lnSpc>
+                <a:spcPct val="90000"/>
+              </a:lnSpc>
+              <a:spcBef>
+                <a:spcPct val="0"/>
+              </a:spcBef>
+              <a:buNone/>
+              <a:defRPr sz="3200" b="1" kern="1200">
+                <a:solidFill>
+                  <a:srgbClr val="019DD0"/>
+                </a:solidFill>
+                <a:latin typeface="Arial" panose="020B0604020202020204" pitchFamily="34" charset="0"/>
+                <a:ea typeface="+mj-ea"/>
+                <a:cs typeface="Arial" panose="020B0604020202020204" pitchFamily="34" charset="0"/>
+              </a:defRPr>
+            </a:lvl1pPr>
+          </a:lstStyle>
+          <a:p>
+            <a:pPr>
+              <a:lnSpc>
+                <a:spcPct val="100000"/>
+              </a:lnSpc>
+            </a:pPr>
+            <a:endParaRPr lang="en-US" sz="2000" b="0" dirty="0" smtClean="0">
+              <a:solidFill>
+                <a:schemeClr val="tx1">
+                  <a:lumMod val="95000"/>
+                  <a:lumOff val="5000"/>
+                </a:schemeClr>
+              </a:solidFill>
+              <a:ea typeface="Roboto Condensed" pitchFamily="2" charset="0"/>
+            </a:endParaRPr>
+          </a:p>
+        </p:txBody>
+      </p:sp>
+      <p:sp>
+        <p:nvSpPr>
+          <p:cNvPr id="10" name="Rectangle 9"/>
+          <p:cNvSpPr/>
+          <p:nvPr/>
+        </p:nvSpPr>
+        <p:spPr>
+          <a:xfrm>
+            <a:off x="709053" y="2166400"/>
+            <a:ext cx="3677417" cy="2862322"/>
+          </a:xfrm>
+          <a:prstGeom prst="rect">
+            <a:avLst/>
+          </a:prstGeom>
+        </p:spPr>
+        <p:txBody>
+          <a:bodyPr wrap="square">
+            <a:spAutoFit/>
+          </a:bodyPr>
+          <a:lstStyle/>
+          <a:p>
+            <a:r>
+              <a:rPr lang="vi-VN" sz="2000" dirty="0"/>
+              <a:t>Đèn đường là một phương tiện chiếu sáng công cộng giúp mọi người có thể quan sát để hoạt động vào trời tối. Tuy nhiên Điện Lực địa phương đang gặp phải một khó khăn là phải cử người tắt khi trời sáng và bật đèn lên khi trời sắp tối.</a:t>
+            </a:r>
+            <a:endParaRPr lang="en-US" sz="2000" dirty="0"/>
+          </a:p>
+        </p:txBody>
+      </p:sp>
+      <p:sp>
+        <p:nvSpPr>
+          <p:cNvPr id="14" name="Rectangle 13"/>
+          <p:cNvSpPr/>
+          <p:nvPr/>
+        </p:nvSpPr>
+        <p:spPr>
+          <a:xfrm>
+            <a:off x="709053" y="5174644"/>
+            <a:ext cx="3677417" cy="707886"/>
+          </a:xfrm>
+          <a:prstGeom prst="rect">
+            <a:avLst/>
+          </a:prstGeom>
+        </p:spPr>
+        <p:txBody>
+          <a:bodyPr wrap="square">
+            <a:spAutoFit/>
+          </a:bodyPr>
+          <a:lstStyle/>
+          <a:p>
+            <a:r>
+              <a:rPr lang="vi-VN" sz="2000" dirty="0"/>
+              <a:t>Bạn có thể giúp họ giải quyết vấn đề trên hay không ?</a:t>
+            </a:r>
+            <a:endParaRPr lang="en-US" sz="2000" dirty="0"/>
+          </a:p>
+        </p:txBody>
+      </p:sp>
+      <p:pic>
+        <p:nvPicPr>
+          <p:cNvPr id="8" name="Picture 7"/>
+          <p:cNvPicPr>
+            <a:picLocks noChangeAspect="1"/>
+          </p:cNvPicPr>
+          <p:nvPr/>
+        </p:nvPicPr>
+        <p:blipFill>
+          <a:blip r:embed="rId3">
+            <a:extLst>
+              <a:ext uri="{28A0092B-C50C-407E-A947-70E740481C1C}">
+                <a14:useLocalDpi xmlns:a14="http://schemas.microsoft.com/office/drawing/2010/main" val="0"/>
+              </a:ext>
+            </a:extLst>
+          </a:blip>
+          <a:stretch>
+            <a:fillRect/>
+          </a:stretch>
+        </p:blipFill>
+        <p:spPr>
+          <a:xfrm>
+            <a:off x="4529407" y="4916503"/>
+            <a:ext cx="4286250" cy="1409700"/>
+          </a:xfrm>
+          <a:prstGeom prst="rect">
+            <a:avLst/>
+          </a:prstGeom>
+        </p:spPr>
+      </p:pic>
+      <p:sp>
+        <p:nvSpPr>
+          <p:cNvPr id="15" name="Rounded Rectangle 14"/>
+          <p:cNvSpPr/>
+          <p:nvPr/>
+        </p:nvSpPr>
+        <p:spPr>
+          <a:xfrm>
+            <a:off x="4959688" y="2401810"/>
+            <a:ext cx="3425687" cy="2339338"/>
+          </a:xfrm>
+          <a:prstGeom prst="roundRect">
+            <a:avLst>
+              <a:gd name="adj" fmla="val 7121"/>
+            </a:avLst>
+          </a:prstGeom>
+          <a:gradFill flip="none" rotWithShape="1">
+            <a:gsLst>
+              <a:gs pos="15000">
+                <a:srgbClr val="EC5F77"/>
+              </a:gs>
+              <a:gs pos="100000">
+                <a:srgbClr val="FECC36"/>
+              </a:gs>
+            </a:gsLst>
+            <a:lin ang="0" scaled="1"/>
+            <a:tileRect/>
+          </a:gradFill>
+          <a:ln>
+            <a:noFill/>
+          </a:ln>
+        </p:spPr>
+        <p:style>
+          <a:lnRef idx="2">
+            <a:schemeClr val="accent1">
+              <a:shade val="50000"/>
+            </a:schemeClr>
+          </a:lnRef>
+          <a:fillRef idx="1">
+            <a:schemeClr val="accent1"/>
+          </a:fillRef>
+          <a:effectRef idx="0">
+            <a:schemeClr val="accent1"/>
+          </a:effectRef>
+          <a:fontRef idx="minor">
+            <a:schemeClr val="lt1"/>
+          </a:fontRef>
+        </p:style>
+        <p:txBody>
+          <a:bodyPr rtlCol="0" anchor="ctr"/>
+          <a:lstStyle/>
+          <a:p>
+            <a:r>
+              <a:rPr lang="vi-VN" dirty="0"/>
+              <a:t>Nếu ban ngày thì hiển thị màn hình LED biểu tượng mặt </a:t>
+            </a:r>
+            <a:r>
+              <a:rPr lang="vi-VN" dirty="0" smtClean="0"/>
+              <a:t>trời</a:t>
+            </a:r>
+            <a:endParaRPr lang="en-US" dirty="0" smtClean="0"/>
+          </a:p>
+          <a:p>
+            <a:endParaRPr lang="en-US" dirty="0"/>
+          </a:p>
+          <a:p>
+            <a:r>
+              <a:rPr lang="vi-VN" dirty="0"/>
+              <a:t>Nếu là ban đêm thì hiển thị biểu tượng mặt </a:t>
+            </a:r>
+            <a:r>
+              <a:rPr lang="vi-VN" dirty="0" smtClean="0"/>
+              <a:t>trăng</a:t>
+            </a:r>
+            <a:endParaRPr lang="en-US" dirty="0" smtClean="0"/>
+          </a:p>
+          <a:p>
+            <a:endParaRPr lang="vi-VN" dirty="0"/>
+          </a:p>
+          <a:p>
+            <a:r>
+              <a:rPr lang="vi-VN" dirty="0"/>
+              <a:t>Viết thuật toán trước khi </a:t>
+            </a:r>
+            <a:r>
+              <a:rPr lang="vi-VN" dirty="0" smtClean="0"/>
+              <a:t>làm</a:t>
+            </a:r>
+            <a:endParaRPr lang="vi-VN" dirty="0"/>
+          </a:p>
+        </p:txBody>
+      </p:sp>
+      <p:pic>
+        <p:nvPicPr>
+          <p:cNvPr id="12" name="Picture 11"/>
+          <p:cNvPicPr>
+            <a:picLocks noChangeAspect="1"/>
+          </p:cNvPicPr>
+          <p:nvPr/>
+        </p:nvPicPr>
+        <p:blipFill>
+          <a:blip r:embed="rId4">
+            <a:extLst>
+              <a:ext uri="{28A0092B-C50C-407E-A947-70E740481C1C}">
+                <a14:useLocalDpi xmlns:a14="http://schemas.microsoft.com/office/drawing/2010/main" val="0"/>
+              </a:ext>
+            </a:extLst>
+          </a:blip>
+          <a:stretch>
+            <a:fillRect/>
+          </a:stretch>
+        </p:blipFill>
+        <p:spPr>
+          <a:xfrm rot="1075484">
+            <a:off x="4826945" y="1492681"/>
+            <a:ext cx="1066404" cy="1226365"/>
+          </a:xfrm>
+          <a:prstGeom prst="rect">
+            <a:avLst/>
+          </a:prstGeom>
+        </p:spPr>
+      </p:pic>
     </p:spTree>
     <p:extLst>
       <p:ext uri="{BB962C8B-B14F-4D97-AF65-F5344CB8AC3E}">
-        <p14:creationId xmlns:p14="http://schemas.microsoft.com/office/powerpoint/2010/main" val="3773185111"/>
+        <p14:creationId xmlns:p14="http://schemas.microsoft.com/office/powerpoint/2010/main" val="2860998091"/>
       </p:ext>
     </p:extLst>
   </p:cSld>
   <p:clrMapOvr>
     <a:masterClrMapping/>
   </p:clrMapOvr>
+  <p:timing>
+    <p:tnLst>
+      <p:par>
+        <p:cTn id="1" dur="indefinite" restart="never" nodeType="tmRoot"/>
+      </p:par>
+    </p:tnLst>
+  </p:timing>
 </p:sld>
 </file>
 
@@ -7825,329 +6481,7 @@
       </p:sp>
       <p:sp>
         <p:nvSpPr>
-          <p:cNvPr id="5" name="TextBox 4"/>
-          <p:cNvSpPr txBox="1"/>
-          <p:nvPr/>
-        </p:nvSpPr>
-        <p:spPr>
-          <a:xfrm>
-            <a:off x="1265305" y="1364739"/>
-            <a:ext cx="5649845" cy="461665"/>
-          </a:xfrm>
-          <a:prstGeom prst="rect">
-            <a:avLst/>
-          </a:prstGeom>
-          <a:noFill/>
-        </p:spPr>
-        <p:txBody>
-          <a:bodyPr wrap="square" rtlCol="0">
-            <a:spAutoFit/>
-          </a:bodyPr>
-          <a:lstStyle/>
-          <a:p>
-            <a:r>
-              <a:rPr lang="en-US" sz="2400" b="1" dirty="0" smtClean="0">
-                <a:solidFill>
-                  <a:schemeClr val="tx1">
-                    <a:lumMod val="85000"/>
-                    <a:lumOff val="15000"/>
-                  </a:schemeClr>
-                </a:solidFill>
-                <a:latin typeface="UTM Helve" panose="02040603050506020204" pitchFamily="18" charset="0"/>
-                <a:ea typeface="Roboto" pitchFamily="2" charset="0"/>
-              </a:rPr>
-              <a:t>Giữ an toàn cho micro:bit</a:t>
-            </a:r>
-            <a:endParaRPr lang="en-US" sz="2400" b="1" dirty="0">
-              <a:solidFill>
-                <a:schemeClr val="tx1">
-                  <a:lumMod val="85000"/>
-                  <a:lumOff val="15000"/>
-                </a:schemeClr>
-              </a:solidFill>
-              <a:latin typeface="UTM Helve" panose="02040603050506020204" pitchFamily="18" charset="0"/>
-              <a:ea typeface="Roboto" pitchFamily="2" charset="0"/>
-            </a:endParaRPr>
-          </a:p>
-        </p:txBody>
-      </p:sp>
-      <p:pic>
-        <p:nvPicPr>
-          <p:cNvPr id="6" name="Picture 5"/>
-          <p:cNvPicPr>
-            <a:picLocks noChangeAspect="1"/>
-          </p:cNvPicPr>
-          <p:nvPr/>
-        </p:nvPicPr>
-        <p:blipFill>
-          <a:blip r:embed="rId2">
-            <a:extLst>
-              <a:ext uri="{28A0092B-C50C-407E-A947-70E740481C1C}">
-                <a14:useLocalDpi xmlns:a14="http://schemas.microsoft.com/office/drawing/2010/main" val="0"/>
-              </a:ext>
-            </a:extLst>
-          </a:blip>
-          <a:stretch>
-            <a:fillRect/>
-          </a:stretch>
-        </p:blipFill>
-        <p:spPr>
-          <a:xfrm>
-            <a:off x="709053" y="1437696"/>
-            <a:ext cx="466725" cy="409575"/>
-          </a:xfrm>
-          <a:prstGeom prst="rect">
-            <a:avLst/>
-          </a:prstGeom>
-        </p:spPr>
-      </p:pic>
-      <p:pic>
-        <p:nvPicPr>
-          <p:cNvPr id="7" name="Google Shape;149;p5"/>
-          <p:cNvPicPr preferRelativeResize="0"/>
-          <p:nvPr/>
-        </p:nvPicPr>
-        <p:blipFill rotWithShape="1">
-          <a:blip r:embed="rId3">
-            <a:alphaModFix/>
-          </a:blip>
-          <a:srcRect/>
-          <a:stretch/>
-        </p:blipFill>
-        <p:spPr>
-          <a:xfrm>
-            <a:off x="804690" y="2535250"/>
-            <a:ext cx="3206517" cy="3182856"/>
-          </a:xfrm>
-          <a:prstGeom prst="rect">
-            <a:avLst/>
-          </a:prstGeom>
-          <a:noFill/>
-          <a:ln>
-            <a:noFill/>
-          </a:ln>
-        </p:spPr>
-      </p:pic>
-      <p:sp>
-        <p:nvSpPr>
-          <p:cNvPr id="8" name="Title 1"/>
-          <p:cNvSpPr txBox="1">
-            <a:spLocks/>
-          </p:cNvSpPr>
-          <p:nvPr/>
-        </p:nvSpPr>
-        <p:spPr>
-          <a:xfrm>
-            <a:off x="4261791" y="2490360"/>
-            <a:ext cx="4253559" cy="3227746"/>
-          </a:xfrm>
-          <a:prstGeom prst="rect">
-            <a:avLst/>
-          </a:prstGeom>
-        </p:spPr>
-        <p:txBody>
-          <a:bodyPr/>
-          <a:lstStyle>
-            <a:lvl1pPr algn="l" defTabSz="914400" rtl="0" eaLnBrk="1" latinLnBrk="0" hangingPunct="1">
-              <a:lnSpc>
-                <a:spcPct val="90000"/>
-              </a:lnSpc>
-              <a:spcBef>
-                <a:spcPct val="0"/>
-              </a:spcBef>
-              <a:buNone/>
-              <a:defRPr sz="3200" b="1" kern="1200">
-                <a:solidFill>
-                  <a:srgbClr val="019DD0"/>
-                </a:solidFill>
-                <a:latin typeface="Arial" panose="020B0604020202020204" pitchFamily="34" charset="0"/>
-                <a:ea typeface="+mj-ea"/>
-                <a:cs typeface="Arial" panose="020B0604020202020204" pitchFamily="34" charset="0"/>
-              </a:defRPr>
-            </a:lvl1pPr>
-          </a:lstStyle>
-          <a:p>
-            <a:pPr marL="342900" indent="-342900">
-              <a:lnSpc>
-                <a:spcPct val="100000"/>
-              </a:lnSpc>
-              <a:buFont typeface="Arial" panose="020B0604020202020204" pitchFamily="34" charset="0"/>
-              <a:buChar char="•"/>
-            </a:pPr>
-            <a:r>
-              <a:rPr lang="en-US" sz="2400" b="0" dirty="0">
-                <a:solidFill>
-                  <a:schemeClr val="tx1">
-                    <a:lumMod val="95000"/>
-                    <a:lumOff val="5000"/>
-                  </a:schemeClr>
-                </a:solidFill>
-                <a:ea typeface="Roboto Condensed" pitchFamily="2" charset="0"/>
-              </a:rPr>
-              <a:t>Cầm micro:bit cẩn thận ở các </a:t>
-            </a:r>
-            <a:r>
-              <a:rPr lang="en-US" sz="2400" b="0" dirty="0" smtClean="0">
-                <a:solidFill>
-                  <a:schemeClr val="tx1">
-                    <a:lumMod val="95000"/>
-                    <a:lumOff val="5000"/>
-                  </a:schemeClr>
-                </a:solidFill>
-                <a:ea typeface="Roboto Condensed" pitchFamily="2" charset="0"/>
-              </a:rPr>
-              <a:t>cạnh</a:t>
-            </a:r>
-            <a:br>
-              <a:rPr lang="en-US" sz="2400" b="0" dirty="0" smtClean="0">
-                <a:solidFill>
-                  <a:schemeClr val="tx1">
-                    <a:lumMod val="95000"/>
-                    <a:lumOff val="5000"/>
-                  </a:schemeClr>
-                </a:solidFill>
-                <a:ea typeface="Roboto Condensed" pitchFamily="2" charset="0"/>
-              </a:rPr>
-            </a:br>
-            <a:endParaRPr lang="en-US" sz="2400" b="0" dirty="0" smtClean="0">
-              <a:solidFill>
-                <a:schemeClr val="tx1">
-                  <a:lumMod val="95000"/>
-                  <a:lumOff val="5000"/>
-                </a:schemeClr>
-              </a:solidFill>
-              <a:ea typeface="Roboto Condensed" pitchFamily="2" charset="0"/>
-            </a:endParaRPr>
-          </a:p>
-          <a:p>
-            <a:pPr marL="342900" indent="-342900">
-              <a:lnSpc>
-                <a:spcPct val="100000"/>
-              </a:lnSpc>
-              <a:buFont typeface="Arial" panose="020B0604020202020204" pitchFamily="34" charset="0"/>
-              <a:buChar char="•"/>
-            </a:pPr>
-            <a:r>
-              <a:rPr lang="en-US" sz="2400" b="0" dirty="0" smtClean="0">
-                <a:solidFill>
-                  <a:schemeClr val="tx1">
-                    <a:lumMod val="95000"/>
-                    <a:lumOff val="5000"/>
-                  </a:schemeClr>
-                </a:solidFill>
-                <a:ea typeface="Roboto Condensed" pitchFamily="2" charset="0"/>
-              </a:rPr>
-              <a:t>Tránh chạm vào các bộ phận</a:t>
-            </a:r>
-            <a:br>
-              <a:rPr lang="en-US" sz="2400" b="0" dirty="0" smtClean="0">
-                <a:solidFill>
-                  <a:schemeClr val="tx1">
-                    <a:lumMod val="95000"/>
-                    <a:lumOff val="5000"/>
-                  </a:schemeClr>
-                </a:solidFill>
-                <a:ea typeface="Roboto Condensed" pitchFamily="2" charset="0"/>
-              </a:rPr>
-            </a:br>
-            <a:endParaRPr lang="en-US" sz="2400" b="0" dirty="0" smtClean="0">
-              <a:solidFill>
-                <a:schemeClr val="tx1">
-                  <a:lumMod val="95000"/>
-                  <a:lumOff val="5000"/>
-                </a:schemeClr>
-              </a:solidFill>
-              <a:ea typeface="Roboto Condensed" pitchFamily="2" charset="0"/>
-            </a:endParaRPr>
-          </a:p>
-          <a:p>
-            <a:pPr marL="342900" indent="-342900">
-              <a:lnSpc>
-                <a:spcPct val="100000"/>
-              </a:lnSpc>
-              <a:buFont typeface="Arial" panose="020B0604020202020204" pitchFamily="34" charset="0"/>
-              <a:buChar char="•"/>
-            </a:pPr>
-            <a:r>
-              <a:rPr lang="en-US" sz="2400" b="0" dirty="0" smtClean="0">
-                <a:solidFill>
-                  <a:schemeClr val="tx1">
-                    <a:lumMod val="95000"/>
-                    <a:lumOff val="5000"/>
-                  </a:schemeClr>
-                </a:solidFill>
-                <a:ea typeface="Roboto Condensed" pitchFamily="2" charset="0"/>
-              </a:rPr>
-              <a:t>Tránh xa micro:bit khỏi nước</a:t>
-            </a:r>
-          </a:p>
-        </p:txBody>
-      </p:sp>
-      <p:sp>
-        <p:nvSpPr>
-          <p:cNvPr id="11" name="TextBox 10"/>
-          <p:cNvSpPr txBox="1"/>
-          <p:nvPr/>
-        </p:nvSpPr>
-        <p:spPr>
-          <a:xfrm>
-            <a:off x="248815" y="546584"/>
-            <a:ext cx="7374995" cy="461665"/>
-          </a:xfrm>
-          <a:prstGeom prst="rect">
-            <a:avLst/>
-          </a:prstGeom>
-          <a:noFill/>
-        </p:spPr>
-        <p:txBody>
-          <a:bodyPr wrap="square" rtlCol="0">
-            <a:spAutoFit/>
-          </a:bodyPr>
-          <a:lstStyle/>
-          <a:p>
-            <a:r>
-              <a:rPr lang="en-US" sz="2400" b="1" dirty="0">
-                <a:solidFill>
-                  <a:srgbClr val="EC5F77"/>
-                </a:solidFill>
-                <a:latin typeface="UTM Helve" panose="02040603050506020204" pitchFamily="18" charset="0"/>
-                <a:ea typeface="Roboto" pitchFamily="2" charset="0"/>
-              </a:rPr>
-              <a:t>8</a:t>
-            </a:r>
-            <a:r>
-              <a:rPr lang="en-US" sz="2400" b="1" dirty="0" smtClean="0">
-                <a:solidFill>
-                  <a:srgbClr val="EC5F77"/>
-                </a:solidFill>
-                <a:latin typeface="UTM Helve" panose="02040603050506020204" pitchFamily="18" charset="0"/>
-                <a:ea typeface="Roboto" pitchFamily="2" charset="0"/>
-              </a:rPr>
-              <a:t>.2 </a:t>
-            </a:r>
-            <a:r>
-              <a:rPr lang="en-US" sz="2400" b="1" dirty="0" smtClean="0">
-                <a:solidFill>
-                  <a:srgbClr val="EC5F77"/>
-                </a:solidFill>
-                <a:latin typeface="UTM Helve" panose="02040603050506020204" pitchFamily="18" charset="0"/>
-                <a:ea typeface="Roboto" pitchFamily="2" charset="0"/>
-              </a:rPr>
-              <a:t>Sử dụng cảm biến ánh sáng với micro:bit</a:t>
-            </a:r>
-            <a:endParaRPr lang="en-US" sz="2400" b="1" dirty="0">
-              <a:solidFill>
-                <a:srgbClr val="EC5F77"/>
-              </a:solidFill>
-              <a:latin typeface="UTM Helve" panose="02040603050506020204" pitchFamily="18" charset="0"/>
-              <a:ea typeface="Roboto" pitchFamily="2" charset="0"/>
-            </a:endParaRPr>
-          </a:p>
-        </p:txBody>
-      </p:sp>
-      <p:sp>
-        <p:nvSpPr>
-          <p:cNvPr id="12" name="Rectangle 11"/>
+          <p:cNvPr id="3" name="Rectangle 2"/>
           <p:cNvSpPr/>
           <p:nvPr/>
         </p:nvSpPr>
@@ -8200,10 +6534,361 @@
           </a:p>
         </p:txBody>
       </p:sp>
+      <p:sp>
+        <p:nvSpPr>
+          <p:cNvPr id="4" name="TextBox 3"/>
+          <p:cNvSpPr txBox="1"/>
+          <p:nvPr/>
+        </p:nvSpPr>
+        <p:spPr>
+          <a:xfrm>
+            <a:off x="248815" y="546584"/>
+            <a:ext cx="7374995" cy="461665"/>
+          </a:xfrm>
+          <a:prstGeom prst="rect">
+            <a:avLst/>
+          </a:prstGeom>
+          <a:noFill/>
+        </p:spPr>
+        <p:txBody>
+          <a:bodyPr wrap="square" rtlCol="0">
+            <a:spAutoFit/>
+          </a:bodyPr>
+          <a:lstStyle/>
+          <a:p>
+            <a:r>
+              <a:rPr lang="en-US" sz="2400" b="1" dirty="0">
+                <a:solidFill>
+                  <a:srgbClr val="EC5F77"/>
+                </a:solidFill>
+                <a:latin typeface="UTM Helve" panose="02040603050506020204" pitchFamily="18" charset="0"/>
+                <a:ea typeface="Roboto" pitchFamily="2" charset="0"/>
+              </a:rPr>
+              <a:t>8</a:t>
+            </a:r>
+            <a:r>
+              <a:rPr lang="en-US" sz="2400" b="1" dirty="0" smtClean="0">
+                <a:solidFill>
+                  <a:srgbClr val="EC5F77"/>
+                </a:solidFill>
+                <a:latin typeface="UTM Helve" panose="02040603050506020204" pitchFamily="18" charset="0"/>
+                <a:ea typeface="Roboto" pitchFamily="2" charset="0"/>
+              </a:rPr>
+              <a:t>.3 Hoạt động học viên</a:t>
+            </a:r>
+            <a:endParaRPr lang="en-US" sz="2400" b="1" dirty="0">
+              <a:solidFill>
+                <a:srgbClr val="EC5F77"/>
+              </a:solidFill>
+              <a:latin typeface="UTM Helve" panose="02040603050506020204" pitchFamily="18" charset="0"/>
+              <a:ea typeface="Roboto" pitchFamily="2" charset="0"/>
+            </a:endParaRPr>
+          </a:p>
+        </p:txBody>
+      </p:sp>
+      <p:sp>
+        <p:nvSpPr>
+          <p:cNvPr id="5" name="TextBox 4"/>
+          <p:cNvSpPr txBox="1"/>
+          <p:nvPr/>
+        </p:nvSpPr>
+        <p:spPr>
+          <a:xfrm>
+            <a:off x="1265305" y="1364739"/>
+            <a:ext cx="5649845" cy="461665"/>
+          </a:xfrm>
+          <a:prstGeom prst="rect">
+            <a:avLst/>
+          </a:prstGeom>
+          <a:noFill/>
+        </p:spPr>
+        <p:txBody>
+          <a:bodyPr wrap="square" rtlCol="0">
+            <a:spAutoFit/>
+          </a:bodyPr>
+          <a:lstStyle/>
+          <a:p>
+            <a:r>
+              <a:rPr lang="en-US" sz="2400" b="1" dirty="0">
+                <a:solidFill>
+                  <a:schemeClr val="tx1">
+                    <a:lumMod val="85000"/>
+                    <a:lumOff val="15000"/>
+                  </a:schemeClr>
+                </a:solidFill>
+                <a:latin typeface="UTM Helve" panose="02040603050506020204" pitchFamily="18" charset="0"/>
+                <a:ea typeface="Roboto" pitchFamily="2" charset="0"/>
+              </a:rPr>
+              <a:t>Đèn Cảnh Báo An Toàn</a:t>
+            </a:r>
+          </a:p>
+        </p:txBody>
+      </p:sp>
+      <p:pic>
+        <p:nvPicPr>
+          <p:cNvPr id="6" name="Picture 5"/>
+          <p:cNvPicPr>
+            <a:picLocks noChangeAspect="1"/>
+          </p:cNvPicPr>
+          <p:nvPr/>
+        </p:nvPicPr>
+        <p:blipFill>
+          <a:blip r:embed="rId2">
+            <a:extLst>
+              <a:ext uri="{28A0092B-C50C-407E-A947-70E740481C1C}">
+                <a14:useLocalDpi xmlns:a14="http://schemas.microsoft.com/office/drawing/2010/main" val="0"/>
+              </a:ext>
+            </a:extLst>
+          </a:blip>
+          <a:stretch>
+            <a:fillRect/>
+          </a:stretch>
+        </p:blipFill>
+        <p:spPr>
+          <a:xfrm>
+            <a:off x="709053" y="1437696"/>
+            <a:ext cx="466725" cy="409575"/>
+          </a:xfrm>
+          <a:prstGeom prst="rect">
+            <a:avLst/>
+          </a:prstGeom>
+        </p:spPr>
+      </p:pic>
+      <p:sp>
+        <p:nvSpPr>
+          <p:cNvPr id="7" name="Rounded Rectangle 6"/>
+          <p:cNvSpPr/>
+          <p:nvPr/>
+        </p:nvSpPr>
+        <p:spPr>
+          <a:xfrm>
+            <a:off x="4557643" y="2059629"/>
+            <a:ext cx="3909703" cy="4311873"/>
+          </a:xfrm>
+          <a:prstGeom prst="roundRect">
+            <a:avLst>
+              <a:gd name="adj" fmla="val 3719"/>
+            </a:avLst>
+          </a:prstGeom>
+          <a:noFill/>
+          <a:ln w="28575">
+            <a:solidFill>
+              <a:srgbClr val="EC5F77"/>
+            </a:solidFill>
+            <a:prstDash val="sysDash"/>
+          </a:ln>
+        </p:spPr>
+        <p:style>
+          <a:lnRef idx="2">
+            <a:schemeClr val="accent1">
+              <a:shade val="50000"/>
+            </a:schemeClr>
+          </a:lnRef>
+          <a:fillRef idx="1">
+            <a:schemeClr val="accent1"/>
+          </a:fillRef>
+          <a:effectRef idx="0">
+            <a:schemeClr val="accent1"/>
+          </a:effectRef>
+          <a:fontRef idx="minor">
+            <a:schemeClr val="lt1"/>
+          </a:fontRef>
+        </p:style>
+        <p:txBody>
+          <a:bodyPr rtlCol="0" anchor="ctr"/>
+          <a:lstStyle/>
+          <a:p>
+            <a:pPr algn="ctr"/>
+            <a:endParaRPr lang="en-US"/>
+          </a:p>
+        </p:txBody>
+      </p:sp>
+      <p:sp>
+        <p:nvSpPr>
+          <p:cNvPr id="10" name="Rectangle 9"/>
+          <p:cNvSpPr/>
+          <p:nvPr/>
+        </p:nvSpPr>
+        <p:spPr>
+          <a:xfrm>
+            <a:off x="4664108" y="2211699"/>
+            <a:ext cx="3677417" cy="2862322"/>
+          </a:xfrm>
+          <a:prstGeom prst="rect">
+            <a:avLst/>
+          </a:prstGeom>
+        </p:spPr>
+        <p:txBody>
+          <a:bodyPr wrap="square">
+            <a:spAutoFit/>
+          </a:bodyPr>
+          <a:lstStyle/>
+          <a:p>
+            <a:r>
+              <a:rPr lang="vi-VN" sz="2000" dirty="0"/>
+              <a:t>Lucy có một người bạn tên là Jack không may bị tai nạn giao thông và bị thương đôi chân không đi lại được. Bạn ấy phải di chuyển bằng xe lăn. Jack rất thích đi dạo công viên mỗi buổi tối, công viên thì đông người qua lại, có cả những người đi xe đạp</a:t>
+            </a:r>
+            <a:endParaRPr lang="en-US" sz="2000" dirty="0"/>
+          </a:p>
+        </p:txBody>
+      </p:sp>
+      <p:sp>
+        <p:nvSpPr>
+          <p:cNvPr id="14" name="Rectangle 13"/>
+          <p:cNvSpPr/>
+          <p:nvPr/>
+        </p:nvSpPr>
+        <p:spPr>
+          <a:xfrm>
+            <a:off x="4706741" y="5214930"/>
+            <a:ext cx="3677417" cy="1015663"/>
+          </a:xfrm>
+          <a:prstGeom prst="rect">
+            <a:avLst/>
+          </a:prstGeom>
+        </p:spPr>
+        <p:txBody>
+          <a:bodyPr wrap="square">
+            <a:spAutoFit/>
+          </a:bodyPr>
+          <a:lstStyle/>
+          <a:p>
+            <a:r>
+              <a:rPr lang="vi-VN" sz="2000" dirty="0"/>
+              <a:t>Bạn có thể giúp Jack tạo một đèn cánh báo vào ban đêm để bạn ấy </a:t>
+            </a:r>
+            <a:r>
+              <a:rPr lang="vi-VN" sz="2000" dirty="0" smtClean="0"/>
+              <a:t>g</a:t>
+            </a:r>
+            <a:r>
+              <a:rPr lang="en-US" sz="2000" dirty="0" smtClean="0"/>
+              <a:t>ắ</a:t>
+            </a:r>
+            <a:r>
+              <a:rPr lang="vi-VN" sz="2000" dirty="0" smtClean="0"/>
+              <a:t>n </a:t>
+            </a:r>
+            <a:r>
+              <a:rPr lang="vi-VN" sz="2000" dirty="0"/>
+              <a:t>lên xe lăn không ?</a:t>
+            </a:r>
+            <a:endParaRPr lang="en-US" sz="2000" dirty="0"/>
+          </a:p>
+        </p:txBody>
+      </p:sp>
+      <p:pic>
+        <p:nvPicPr>
+          <p:cNvPr id="12" name="Picture 11"/>
+          <p:cNvPicPr>
+            <a:picLocks noChangeAspect="1"/>
+          </p:cNvPicPr>
+          <p:nvPr/>
+        </p:nvPicPr>
+        <p:blipFill>
+          <a:blip r:embed="rId3">
+            <a:extLst>
+              <a:ext uri="{28A0092B-C50C-407E-A947-70E740481C1C}">
+                <a14:useLocalDpi xmlns:a14="http://schemas.microsoft.com/office/drawing/2010/main" val="0"/>
+              </a:ext>
+            </a:extLst>
+          </a:blip>
+          <a:stretch>
+            <a:fillRect/>
+          </a:stretch>
+        </p:blipFill>
+        <p:spPr>
+          <a:xfrm rot="19465917">
+            <a:off x="3665064" y="5066029"/>
+            <a:ext cx="873627" cy="1004671"/>
+          </a:xfrm>
+          <a:prstGeom prst="rect">
+            <a:avLst/>
+          </a:prstGeom>
+        </p:spPr>
+      </p:pic>
+      <p:pic>
+        <p:nvPicPr>
+          <p:cNvPr id="13" name="Picture 12"/>
+          <p:cNvPicPr>
+            <a:picLocks noChangeAspect="1"/>
+          </p:cNvPicPr>
+          <p:nvPr/>
+        </p:nvPicPr>
+        <p:blipFill>
+          <a:blip r:embed="rId4"/>
+          <a:stretch>
+            <a:fillRect/>
+          </a:stretch>
+        </p:blipFill>
+        <p:spPr>
+          <a:xfrm>
+            <a:off x="615461" y="3874143"/>
+            <a:ext cx="2406035" cy="2774306"/>
+          </a:xfrm>
+          <a:prstGeom prst="rect">
+            <a:avLst/>
+          </a:prstGeom>
+        </p:spPr>
+      </p:pic>
+      <p:pic>
+        <p:nvPicPr>
+          <p:cNvPr id="16" name="Picture 15"/>
+          <p:cNvPicPr>
+            <a:picLocks noChangeAspect="1"/>
+          </p:cNvPicPr>
+          <p:nvPr/>
+        </p:nvPicPr>
+        <p:blipFill>
+          <a:blip r:embed="rId5"/>
+          <a:stretch>
+            <a:fillRect/>
+          </a:stretch>
+        </p:blipFill>
+        <p:spPr>
+          <a:xfrm>
+            <a:off x="1007800" y="2112332"/>
+            <a:ext cx="2013696" cy="1668885"/>
+          </a:xfrm>
+          <a:prstGeom prst="rect">
+            <a:avLst/>
+          </a:prstGeom>
+        </p:spPr>
+      </p:pic>
+      <p:pic>
+        <p:nvPicPr>
+          <p:cNvPr id="17" name="Picture 16"/>
+          <p:cNvPicPr>
+            <a:picLocks noChangeAspect="1"/>
+          </p:cNvPicPr>
+          <p:nvPr/>
+        </p:nvPicPr>
+        <p:blipFill>
+          <a:blip r:embed="rId6" cstate="print">
+            <a:extLst>
+              <a:ext uri="{28A0092B-C50C-407E-A947-70E740481C1C}">
+                <a14:useLocalDpi xmlns:a14="http://schemas.microsoft.com/office/drawing/2010/main" val="0"/>
+              </a:ext>
+            </a:extLst>
+          </a:blip>
+          <a:stretch>
+            <a:fillRect/>
+          </a:stretch>
+        </p:blipFill>
+        <p:spPr>
+          <a:xfrm>
+            <a:off x="3077356" y="1915492"/>
+            <a:ext cx="1047414" cy="1251717"/>
+          </a:xfrm>
+          <a:prstGeom prst="rect">
+            <a:avLst/>
+          </a:prstGeom>
+        </p:spPr>
+      </p:pic>
     </p:spTree>
     <p:extLst>
       <p:ext uri="{BB962C8B-B14F-4D97-AF65-F5344CB8AC3E}">
-        <p14:creationId xmlns:p14="http://schemas.microsoft.com/office/powerpoint/2010/main" val="2800974292"/>
+        <p14:creationId xmlns:p14="http://schemas.microsoft.com/office/powerpoint/2010/main" val="2782989310"/>
       </p:ext>
     </p:extLst>
   </p:cSld>
@@ -8349,17 +7034,7 @@
                 <a:latin typeface="UTM Helve" panose="02040603050506020204" pitchFamily="18" charset="0"/>
                 <a:ea typeface="Roboto" pitchFamily="2" charset="0"/>
               </a:rPr>
-              <a:t>.3 </a:t>
-            </a:r>
-            <a:r>
-              <a:rPr lang="en-US" sz="2400" b="1" dirty="0" smtClean="0">
-                <a:solidFill>
-                  <a:srgbClr val="EC5F77"/>
-                </a:solidFill>
-                <a:latin typeface="UTM Helve" panose="02040603050506020204" pitchFamily="18" charset="0"/>
-                <a:ea typeface="Roboto" pitchFamily="2" charset="0"/>
-              </a:rPr>
-              <a:t>Hoạt động học viên</a:t>
+              <a:t>.3 Hoạt động học viên</a:t>
             </a:r>
             <a:endParaRPr lang="en-US" sz="2400" b="1" dirty="0">
               <a:solidFill>
@@ -8404,7 +7079,7 @@
                 <a:latin typeface="UTM Helve" panose="02040603050506020204" pitchFamily="18" charset="0"/>
                 <a:ea typeface="Roboto" pitchFamily="2" charset="0"/>
               </a:rPr>
-              <a:t>Cột đèn thông minh</a:t>
+              <a:t>Đèn Cảnh Báo An Toàn</a:t>
             </a:r>
           </a:p>
         </p:txBody>
@@ -8447,8 +7122,8 @@
         </p:nvSpPr>
         <p:spPr>
           <a:xfrm>
-            <a:off x="602588" y="2014330"/>
-            <a:ext cx="3909703" cy="4134679"/>
+            <a:off x="797038" y="2372139"/>
+            <a:ext cx="4888145" cy="3999363"/>
           </a:xfrm>
           <a:prstGeom prst="roundRect">
             <a:avLst>
@@ -8456,7 +7131,7 @@
             </a:avLst>
           </a:prstGeom>
           <a:noFill/>
-          <a:ln w="19050">
+          <a:ln w="28575">
             <a:solidFill>
               <a:srgbClr val="EC5F77"/>
             </a:solidFill>
@@ -8490,70 +7165,14 @@
       </p:sp>
       <p:sp>
         <p:nvSpPr>
-          <p:cNvPr id="9" name="Title 1"/>
-          <p:cNvSpPr txBox="1">
-            <a:spLocks/>
-          </p:cNvSpPr>
-          <p:nvPr/>
-        </p:nvSpPr>
-        <p:spPr>
-          <a:xfrm>
-            <a:off x="709053" y="2425454"/>
-            <a:ext cx="4410020" cy="549162"/>
-          </a:xfrm>
-          <a:prstGeom prst="rect">
-            <a:avLst/>
-          </a:prstGeom>
-        </p:spPr>
-        <p:txBody>
-          <a:bodyPr/>
-          <a:lstStyle>
-            <a:lvl1pPr algn="l" defTabSz="914400" rtl="0" eaLnBrk="1" latinLnBrk="0" hangingPunct="1">
-              <a:lnSpc>
-                <a:spcPct val="90000"/>
-              </a:lnSpc>
-              <a:spcBef>
-                <a:spcPct val="0"/>
-              </a:spcBef>
-              <a:buNone/>
-              <a:defRPr sz="3200" b="1" kern="1200">
-                <a:solidFill>
-                  <a:srgbClr val="019DD0"/>
-                </a:solidFill>
-                <a:latin typeface="Arial" panose="020B0604020202020204" pitchFamily="34" charset="0"/>
-                <a:ea typeface="+mj-ea"/>
-                <a:cs typeface="Arial" panose="020B0604020202020204" pitchFamily="34" charset="0"/>
-              </a:defRPr>
-            </a:lvl1pPr>
-          </a:lstStyle>
-          <a:p>
-            <a:pPr>
-              <a:lnSpc>
-                <a:spcPct val="100000"/>
-              </a:lnSpc>
-            </a:pPr>
-            <a:endParaRPr lang="en-US" sz="2000" b="0" dirty="0" smtClean="0">
-              <a:solidFill>
-                <a:schemeClr val="tx1">
-                  <a:lumMod val="95000"/>
-                  <a:lumOff val="5000"/>
-                </a:schemeClr>
-              </a:solidFill>
-              <a:ea typeface="Roboto Condensed" pitchFamily="2" charset="0"/>
-            </a:endParaRPr>
-          </a:p>
-        </p:txBody>
-      </p:sp>
-      <p:sp>
-        <p:nvSpPr>
-          <p:cNvPr id="10" name="Rectangle 9"/>
+          <p:cNvPr id="14" name="Rectangle 13"/>
           <p:cNvSpPr/>
           <p:nvPr/>
         </p:nvSpPr>
         <p:spPr>
           <a:xfrm>
-            <a:off x="709053" y="2166400"/>
-            <a:ext cx="3677417" cy="2862322"/>
+            <a:off x="1194918" y="2524739"/>
+            <a:ext cx="3469189" cy="707886"/>
           </a:xfrm>
           <a:prstGeom prst="rect">
             <a:avLst/>
@@ -8567,7 +7186,7 @@
           <a:p>
             <a:r>
               <a:rPr lang="vi-VN" sz="2000" dirty="0"/>
-              <a:t>Đèn đường là một phương tiện chiếu sáng công cộng giúp mọi người có thể quan sát để hoạt động vào trời tối. Tuy nhiên Điện Lực địa phương đang gặp phải một khó khăn là phải cử người tắt khi trời sáng và bật đèn lên khi trời sắp tối.</a:t>
+              <a:t>Khi micro:bit bật lên thì hiển thị icon trái tim</a:t>
             </a:r>
             <a:endParaRPr lang="en-US" sz="2000" dirty="0"/>
           </a:p>
@@ -8575,14 +7194,60 @@
       </p:sp>
       <p:sp>
         <p:nvSpPr>
-          <p:cNvPr id="14" name="Rectangle 13"/>
+          <p:cNvPr id="15" name="Rectangle 14"/>
           <p:cNvSpPr/>
           <p:nvPr/>
         </p:nvSpPr>
         <p:spPr>
           <a:xfrm>
-            <a:off x="709053" y="5174644"/>
-            <a:ext cx="3677417" cy="707886"/>
+            <a:off x="949812" y="2642620"/>
+            <a:ext cx="198783" cy="198783"/>
+          </a:xfrm>
+          <a:prstGeom prst="rect">
+            <a:avLst/>
+          </a:prstGeom>
+          <a:solidFill>
+            <a:srgbClr val="EC5F77"/>
+          </a:solidFill>
+          <a:ln>
+            <a:noFill/>
+          </a:ln>
+        </p:spPr>
+        <p:style>
+          <a:lnRef idx="2">
+            <a:schemeClr val="accent1">
+              <a:shade val="50000"/>
+            </a:schemeClr>
+          </a:lnRef>
+          <a:fillRef idx="1">
+            <a:schemeClr val="accent1"/>
+          </a:fillRef>
+          <a:effectRef idx="0">
+            <a:schemeClr val="accent1"/>
+          </a:effectRef>
+          <a:fontRef idx="minor">
+            <a:schemeClr val="lt1"/>
+          </a:fontRef>
+        </p:style>
+        <p:txBody>
+          <a:bodyPr rtlCol="0" anchor="ctr"/>
+          <a:lstStyle/>
+          <a:p>
+            <a:pPr algn="ctr"/>
+            <a:endParaRPr lang="en-US"/>
+          </a:p>
+        </p:txBody>
+      </p:sp>
+      <p:sp>
+        <p:nvSpPr>
+          <p:cNvPr id="19" name="Rectangle 18"/>
+          <p:cNvSpPr/>
+          <p:nvPr/>
+        </p:nvSpPr>
+        <p:spPr>
+          <a:xfrm>
+            <a:off x="1194918" y="3266861"/>
+            <a:ext cx="4490265" cy="1015663"/>
           </a:xfrm>
           <a:prstGeom prst="rect">
             <a:avLst/>
@@ -8596,56 +7261,230 @@
           <a:p>
             <a:r>
               <a:rPr lang="vi-VN" sz="2000" dirty="0"/>
-              <a:t>Bạn có thể giúp họ giải quyết vấn đề trên hay không ?</a:t>
+              <a:t>Khi nhấn Button A, micro:bit dựa vào cường độ ánh sáng để nhận biết làm ban đêm để bật LED và tắt LED</a:t>
             </a:r>
             <a:endParaRPr lang="en-US" sz="2000" dirty="0"/>
           </a:p>
         </p:txBody>
       </p:sp>
-      <p:pic>
-        <p:nvPicPr>
-          <p:cNvPr id="8" name="Picture 7"/>
-          <p:cNvPicPr>
-            <a:picLocks noChangeAspect="1"/>
-          </p:cNvPicPr>
-          <p:nvPr/>
-        </p:nvPicPr>
-        <p:blipFill>
-          <a:blip r:embed="rId3">
-            <a:extLst>
-              <a:ext uri="{28A0092B-C50C-407E-A947-70E740481C1C}">
-                <a14:useLocalDpi xmlns:a14="http://schemas.microsoft.com/office/drawing/2010/main" val="0"/>
-              </a:ext>
-            </a:extLst>
-          </a:blip>
-          <a:stretch>
-            <a:fillRect/>
-          </a:stretch>
-        </p:blipFill>
-        <p:spPr>
-          <a:xfrm>
-            <a:off x="4529407" y="4916503"/>
-            <a:ext cx="4286250" cy="1409700"/>
-          </a:xfrm>
-          <a:prstGeom prst="rect">
-            <a:avLst/>
-          </a:prstGeom>
-        </p:spPr>
-      </p:pic>
-      <p:sp>
-        <p:nvSpPr>
-          <p:cNvPr id="15" name="Rounded Rectangle 14"/>
+      <p:sp>
+        <p:nvSpPr>
+          <p:cNvPr id="20" name="Rectangle 19"/>
           <p:cNvSpPr/>
           <p:nvPr/>
         </p:nvSpPr>
         <p:spPr>
           <a:xfrm>
-            <a:off x="4959688" y="2401810"/>
-            <a:ext cx="3425687" cy="2339338"/>
+            <a:off x="949812" y="3397994"/>
+            <a:ext cx="198783" cy="198783"/>
+          </a:xfrm>
+          <a:prstGeom prst="rect">
+            <a:avLst/>
+          </a:prstGeom>
+          <a:solidFill>
+            <a:srgbClr val="EC5F77"/>
+          </a:solidFill>
+          <a:ln>
+            <a:noFill/>
+          </a:ln>
+        </p:spPr>
+        <p:style>
+          <a:lnRef idx="2">
+            <a:schemeClr val="accent1">
+              <a:shade val="50000"/>
+            </a:schemeClr>
+          </a:lnRef>
+          <a:fillRef idx="1">
+            <a:schemeClr val="accent1"/>
+          </a:fillRef>
+          <a:effectRef idx="0">
+            <a:schemeClr val="accent1"/>
+          </a:effectRef>
+          <a:fontRef idx="minor">
+            <a:schemeClr val="lt1"/>
+          </a:fontRef>
+        </p:style>
+        <p:txBody>
+          <a:bodyPr rtlCol="0" anchor="ctr"/>
+          <a:lstStyle/>
+          <a:p>
+            <a:pPr algn="ctr"/>
+            <a:endParaRPr lang="en-US"/>
+          </a:p>
+        </p:txBody>
+      </p:sp>
+      <p:sp>
+        <p:nvSpPr>
+          <p:cNvPr id="21" name="Rectangle 20"/>
+          <p:cNvSpPr/>
+          <p:nvPr/>
+        </p:nvSpPr>
+        <p:spPr>
+          <a:xfrm>
+            <a:off x="1194918" y="4397030"/>
+            <a:ext cx="4357743" cy="1015663"/>
+          </a:xfrm>
+          <a:prstGeom prst="rect">
+            <a:avLst/>
+          </a:prstGeom>
+        </p:spPr>
+        <p:txBody>
+          <a:bodyPr wrap="square">
+            <a:spAutoFit/>
+          </a:bodyPr>
+          <a:lstStyle/>
+          <a:p>
+            <a:r>
+              <a:rPr lang="vi-VN" sz="2000" dirty="0"/>
+              <a:t>Nếu là ban đêm thì bật cả 25 đèn LED, rồi tắt bật liên tục để tạo hiệu ứng đèn LED </a:t>
+            </a:r>
+            <a:r>
+              <a:rPr lang="vi-VN" sz="2000" dirty="0" smtClean="0"/>
+              <a:t>nháy</a:t>
+            </a:r>
+            <a:r>
+              <a:rPr lang="en-US" sz="2000" dirty="0" smtClean="0"/>
+              <a:t> cảnh báo</a:t>
+            </a:r>
+            <a:endParaRPr lang="en-US" sz="2000" dirty="0"/>
+          </a:p>
+        </p:txBody>
+      </p:sp>
+      <p:sp>
+        <p:nvSpPr>
+          <p:cNvPr id="22" name="Rectangle 21"/>
+          <p:cNvSpPr/>
+          <p:nvPr/>
+        </p:nvSpPr>
+        <p:spPr>
+          <a:xfrm>
+            <a:off x="949812" y="4541415"/>
+            <a:ext cx="198783" cy="198783"/>
+          </a:xfrm>
+          <a:prstGeom prst="rect">
+            <a:avLst/>
+          </a:prstGeom>
+          <a:solidFill>
+            <a:srgbClr val="EC5F77"/>
+          </a:solidFill>
+          <a:ln>
+            <a:noFill/>
+          </a:ln>
+        </p:spPr>
+        <p:style>
+          <a:lnRef idx="2">
+            <a:schemeClr val="accent1">
+              <a:shade val="50000"/>
+            </a:schemeClr>
+          </a:lnRef>
+          <a:fillRef idx="1">
+            <a:schemeClr val="accent1"/>
+          </a:fillRef>
+          <a:effectRef idx="0">
+            <a:schemeClr val="accent1"/>
+          </a:effectRef>
+          <a:fontRef idx="minor">
+            <a:schemeClr val="lt1"/>
+          </a:fontRef>
+        </p:style>
+        <p:txBody>
+          <a:bodyPr rtlCol="0" anchor="ctr"/>
+          <a:lstStyle/>
+          <a:p>
+            <a:pPr algn="ctr"/>
+            <a:endParaRPr lang="en-US"/>
+          </a:p>
+        </p:txBody>
+      </p:sp>
+      <p:sp>
+        <p:nvSpPr>
+          <p:cNvPr id="23" name="Rectangle 22"/>
+          <p:cNvSpPr/>
+          <p:nvPr/>
+        </p:nvSpPr>
+        <p:spPr>
+          <a:xfrm>
+            <a:off x="1194918" y="5527199"/>
+            <a:ext cx="3469189" cy="707886"/>
+          </a:xfrm>
+          <a:prstGeom prst="rect">
+            <a:avLst/>
+          </a:prstGeom>
+        </p:spPr>
+        <p:txBody>
+          <a:bodyPr wrap="square">
+            <a:spAutoFit/>
+          </a:bodyPr>
+          <a:lstStyle/>
+          <a:p>
+            <a:r>
+              <a:rPr lang="en-US" sz="2000" dirty="0" smtClean="0"/>
+              <a:t>Nhấn button B thì tắt chương trình</a:t>
+            </a:r>
+            <a:endParaRPr lang="en-US" sz="2000" dirty="0"/>
+          </a:p>
+        </p:txBody>
+      </p:sp>
+      <p:sp>
+        <p:nvSpPr>
+          <p:cNvPr id="24" name="Rectangle 23"/>
+          <p:cNvSpPr/>
+          <p:nvPr/>
+        </p:nvSpPr>
+        <p:spPr>
+          <a:xfrm>
+            <a:off x="949812" y="5671584"/>
+            <a:ext cx="198783" cy="198783"/>
+          </a:xfrm>
+          <a:prstGeom prst="rect">
+            <a:avLst/>
+          </a:prstGeom>
+          <a:solidFill>
+            <a:srgbClr val="EC5F77"/>
+          </a:solidFill>
+          <a:ln>
+            <a:noFill/>
+          </a:ln>
+        </p:spPr>
+        <p:style>
+          <a:lnRef idx="2">
+            <a:schemeClr val="accent1">
+              <a:shade val="50000"/>
+            </a:schemeClr>
+          </a:lnRef>
+          <a:fillRef idx="1">
+            <a:schemeClr val="accent1"/>
+          </a:fillRef>
+          <a:effectRef idx="0">
+            <a:schemeClr val="accent1"/>
+          </a:effectRef>
+          <a:fontRef idx="minor">
+            <a:schemeClr val="lt1"/>
+          </a:fontRef>
+        </p:style>
+        <p:txBody>
+          <a:bodyPr rtlCol="0" anchor="ctr"/>
+          <a:lstStyle/>
+          <a:p>
+            <a:pPr algn="ctr"/>
+            <a:endParaRPr lang="en-US"/>
+          </a:p>
+        </p:txBody>
+      </p:sp>
+      <p:sp>
+        <p:nvSpPr>
+          <p:cNvPr id="8" name="Rounded Rectangle 7"/>
+          <p:cNvSpPr/>
+          <p:nvPr/>
+        </p:nvSpPr>
+        <p:spPr>
+          <a:xfrm>
+            <a:off x="1657804" y="2027583"/>
+            <a:ext cx="3166611" cy="497156"/>
           </a:xfrm>
           <a:prstGeom prst="roundRect">
             <a:avLst>
-              <a:gd name="adj" fmla="val 7121"/>
+              <a:gd name="adj" fmla="val 50000"/>
             </a:avLst>
           </a:prstGeom>
           <a:gradFill flip="none" rotWithShape="1">
@@ -8684,80 +7523,270 @@
           <a:bodyPr rtlCol="0" anchor="ctr"/>
           <a:lstStyle/>
           <a:p>
-            <a:r>
-              <a:rPr lang="vi-VN" dirty="0"/>
-              <a:t>Nếu ban ngày thì hiển thị màn hình LED biểu tượng mặt </a:t>
-            </a:r>
-            <a:r>
-              <a:rPr lang="vi-VN" dirty="0" smtClean="0"/>
-              <a:t>trời</a:t>
-            </a:r>
-            <a:endParaRPr lang="en-US" dirty="0" smtClean="0"/>
-          </a:p>
-          <a:p>
-            <a:endParaRPr lang="en-US" dirty="0"/>
-          </a:p>
-          <a:p>
-            <a:r>
-              <a:rPr lang="vi-VN" dirty="0"/>
-              <a:t>Nếu là ban đêm thì hiển thị biểu tượng mặt </a:t>
-            </a:r>
-            <a:r>
-              <a:rPr lang="vi-VN" dirty="0" smtClean="0"/>
-              <a:t>trăng</a:t>
-            </a:r>
-            <a:endParaRPr lang="en-US" dirty="0" smtClean="0"/>
-          </a:p>
-          <a:p>
-            <a:endParaRPr lang="vi-VN" dirty="0"/>
-          </a:p>
-          <a:p>
-            <a:r>
-              <a:rPr lang="vi-VN" dirty="0"/>
-              <a:t>Viết thuật toán trước khi </a:t>
-            </a:r>
-            <a:r>
-              <a:rPr lang="vi-VN" dirty="0" smtClean="0"/>
-              <a:t>làm</a:t>
-            </a:r>
-            <a:endParaRPr lang="vi-VN" dirty="0"/>
+            <a:pPr algn="ctr"/>
+            <a:r>
+              <a:rPr lang="en-US" b="1" dirty="0" smtClean="0"/>
+              <a:t>Yêu cầu chương trình</a:t>
+            </a:r>
+            <a:endParaRPr lang="en-US" b="1" dirty="0"/>
           </a:p>
         </p:txBody>
       </p:sp>
       <p:pic>
         <p:nvPicPr>
-          <p:cNvPr id="12" name="Picture 11"/>
+          <p:cNvPr id="9" name="Picture 8"/>
           <p:cNvPicPr>
             <a:picLocks noChangeAspect="1"/>
           </p:cNvPicPr>
           <p:nvPr/>
         </p:nvPicPr>
         <p:blipFill>
-          <a:blip r:embed="rId4">
-            <a:extLst>
-              <a:ext uri="{28A0092B-C50C-407E-A947-70E740481C1C}">
-                <a14:useLocalDpi xmlns:a14="http://schemas.microsoft.com/office/drawing/2010/main" val="0"/>
-              </a:ext>
-            </a:extLst>
-          </a:blip>
+          <a:blip r:embed="rId3"/>
           <a:stretch>
             <a:fillRect/>
           </a:stretch>
         </p:blipFill>
         <p:spPr>
-          <a:xfrm rot="1075484">
-            <a:off x="4826945" y="1492681"/>
-            <a:ext cx="1066404" cy="1226365"/>
+          <a:xfrm>
+            <a:off x="7083049" y="2674437"/>
+            <a:ext cx="1581371" cy="704948"/>
           </a:xfrm>
           <a:prstGeom prst="rect">
             <a:avLst/>
           </a:prstGeom>
         </p:spPr>
       </p:pic>
+      <p:pic>
+        <p:nvPicPr>
+          <p:cNvPr id="11" name="Picture 10"/>
+          <p:cNvPicPr>
+            <a:picLocks noChangeAspect="1"/>
+          </p:cNvPicPr>
+          <p:nvPr/>
+        </p:nvPicPr>
+        <p:blipFill>
+          <a:blip r:embed="rId4"/>
+          <a:stretch>
+            <a:fillRect/>
+          </a:stretch>
+        </p:blipFill>
+        <p:spPr>
+          <a:xfrm>
+            <a:off x="5851715" y="3547337"/>
+            <a:ext cx="1171739" cy="1457528"/>
+          </a:xfrm>
+          <a:prstGeom prst="rect">
+            <a:avLst/>
+          </a:prstGeom>
+        </p:spPr>
+      </p:pic>
+      <p:pic>
+        <p:nvPicPr>
+          <p:cNvPr id="25" name="Picture 24"/>
+          <p:cNvPicPr>
+            <a:picLocks noChangeAspect="1"/>
+          </p:cNvPicPr>
+          <p:nvPr/>
+        </p:nvPicPr>
+        <p:blipFill>
+          <a:blip r:embed="rId5"/>
+          <a:stretch>
+            <a:fillRect/>
+          </a:stretch>
+        </p:blipFill>
+        <p:spPr>
+          <a:xfrm>
+            <a:off x="5837957" y="2674437"/>
+            <a:ext cx="1224965" cy="816644"/>
+          </a:xfrm>
+          <a:prstGeom prst="rect">
+            <a:avLst/>
+          </a:prstGeom>
+        </p:spPr>
+      </p:pic>
+      <p:pic>
+        <p:nvPicPr>
+          <p:cNvPr id="26" name="Picture 25"/>
+          <p:cNvPicPr>
+            <a:picLocks noChangeAspect="1"/>
+          </p:cNvPicPr>
+          <p:nvPr/>
+        </p:nvPicPr>
+        <p:blipFill>
+          <a:blip r:embed="rId6"/>
+          <a:stretch>
+            <a:fillRect/>
+          </a:stretch>
+        </p:blipFill>
+        <p:spPr>
+          <a:xfrm>
+            <a:off x="7125917" y="3565773"/>
+            <a:ext cx="1495634" cy="1114581"/>
+          </a:xfrm>
+          <a:prstGeom prst="rect">
+            <a:avLst/>
+          </a:prstGeom>
+        </p:spPr>
+      </p:pic>
+      <p:pic>
+        <p:nvPicPr>
+          <p:cNvPr id="27" name="Picture 26"/>
+          <p:cNvPicPr>
+            <a:picLocks noChangeAspect="1"/>
+          </p:cNvPicPr>
+          <p:nvPr/>
+        </p:nvPicPr>
+        <p:blipFill>
+          <a:blip r:embed="rId7"/>
+          <a:stretch>
+            <a:fillRect/>
+          </a:stretch>
+        </p:blipFill>
+        <p:spPr>
+          <a:xfrm>
+            <a:off x="7083049" y="4764903"/>
+            <a:ext cx="1867161" cy="647790"/>
+          </a:xfrm>
+          <a:prstGeom prst="rect">
+            <a:avLst/>
+          </a:prstGeom>
+        </p:spPr>
+      </p:pic>
+      <p:pic>
+        <p:nvPicPr>
+          <p:cNvPr id="28" name="Picture 27"/>
+          <p:cNvPicPr>
+            <a:picLocks noChangeAspect="1"/>
+          </p:cNvPicPr>
+          <p:nvPr/>
+        </p:nvPicPr>
+        <p:blipFill>
+          <a:blip r:embed="rId8"/>
+          <a:stretch>
+            <a:fillRect/>
+          </a:stretch>
+        </p:blipFill>
+        <p:spPr>
+          <a:xfrm>
+            <a:off x="5781579" y="5412693"/>
+            <a:ext cx="1638529" cy="590632"/>
+          </a:xfrm>
+          <a:prstGeom prst="rect">
+            <a:avLst/>
+          </a:prstGeom>
+        </p:spPr>
+      </p:pic>
+      <p:pic>
+        <p:nvPicPr>
+          <p:cNvPr id="30" name="Picture 29"/>
+          <p:cNvPicPr>
+            <a:picLocks noChangeAspect="1"/>
+          </p:cNvPicPr>
+          <p:nvPr/>
+        </p:nvPicPr>
+        <p:blipFill>
+          <a:blip r:embed="rId9"/>
+          <a:stretch>
+            <a:fillRect/>
+          </a:stretch>
+        </p:blipFill>
+        <p:spPr>
+          <a:xfrm>
+            <a:off x="5851715" y="1420078"/>
+            <a:ext cx="2022020" cy="1141847"/>
+          </a:xfrm>
+          <a:prstGeom prst="rect">
+            <a:avLst/>
+          </a:prstGeom>
+        </p:spPr>
+      </p:pic>
+      <p:pic>
+        <p:nvPicPr>
+          <p:cNvPr id="31" name="Picture 30"/>
+          <p:cNvPicPr>
+            <a:picLocks noChangeAspect="1"/>
+          </p:cNvPicPr>
+          <p:nvPr/>
+        </p:nvPicPr>
+        <p:blipFill>
+          <a:blip r:embed="rId10"/>
+          <a:stretch>
+            <a:fillRect/>
+          </a:stretch>
+        </p:blipFill>
+        <p:spPr>
+          <a:xfrm>
+            <a:off x="7559366" y="5370869"/>
+            <a:ext cx="1105054" cy="800212"/>
+          </a:xfrm>
+          <a:prstGeom prst="rect">
+            <a:avLst/>
+          </a:prstGeom>
+        </p:spPr>
+      </p:pic>
+      <p:sp>
+        <p:nvSpPr>
+          <p:cNvPr id="32" name="Title 1"/>
+          <p:cNvSpPr txBox="1">
+            <a:spLocks/>
+          </p:cNvSpPr>
+          <p:nvPr/>
+        </p:nvSpPr>
+        <p:spPr>
+          <a:xfrm>
+            <a:off x="5851715" y="6060484"/>
+            <a:ext cx="1568393" cy="395568"/>
+          </a:xfrm>
+          <a:prstGeom prst="rect">
+            <a:avLst/>
+          </a:prstGeom>
+        </p:spPr>
+        <p:txBody>
+          <a:bodyPr/>
+          <a:lstStyle>
+            <a:lvl1pPr algn="l" defTabSz="914400" rtl="0" eaLnBrk="1" latinLnBrk="0" hangingPunct="1">
+              <a:lnSpc>
+                <a:spcPct val="90000"/>
+              </a:lnSpc>
+              <a:spcBef>
+                <a:spcPct val="0"/>
+              </a:spcBef>
+              <a:buNone/>
+              <a:defRPr sz="3200" b="1" kern="1200">
+                <a:solidFill>
+                  <a:srgbClr val="019DD0"/>
+                </a:solidFill>
+                <a:latin typeface="Arial" panose="020B0604020202020204" pitchFamily="34" charset="0"/>
+                <a:ea typeface="+mj-ea"/>
+                <a:cs typeface="Arial" panose="020B0604020202020204" pitchFamily="34" charset="0"/>
+              </a:defRPr>
+            </a:lvl1pPr>
+          </a:lstStyle>
+          <a:p>
+            <a:pPr algn="ctr">
+              <a:lnSpc>
+                <a:spcPct val="100000"/>
+              </a:lnSpc>
+            </a:pPr>
+            <a:r>
+              <a:rPr lang="en-US" sz="1800" b="0" i="1" dirty="0" smtClean="0">
+                <a:solidFill>
+                  <a:schemeClr val="tx1">
+                    <a:lumMod val="95000"/>
+                    <a:lumOff val="5000"/>
+                  </a:schemeClr>
+                </a:solidFill>
+                <a:ea typeface="Roboto Condensed" pitchFamily="2" charset="0"/>
+              </a:rPr>
+              <a:t>Block gợi ý</a:t>
+            </a:r>
+          </a:p>
+        </p:txBody>
+      </p:sp>
     </p:spTree>
     <p:extLst>
       <p:ext uri="{BB962C8B-B14F-4D97-AF65-F5344CB8AC3E}">
-        <p14:creationId xmlns:p14="http://schemas.microsoft.com/office/powerpoint/2010/main" val="2860998091"/>
+        <p14:creationId xmlns:p14="http://schemas.microsoft.com/office/powerpoint/2010/main" val="2723024064"/>
       </p:ext>
     </p:extLst>
   </p:cSld>
